--- a/lecture-slides/2020-01-28-oop.pptx
+++ b/lecture-slides/2020-01-28-oop.pptx
@@ -5,24 +5,28 @@
     <p:sldMasterId id="2147483648" r:id="rId1"/>
   </p:sldMasterIdLst>
   <p:notesMasterIdLst>
-    <p:notesMasterId r:id="rId17"/>
+    <p:notesMasterId r:id="rId21"/>
   </p:notesMasterIdLst>
   <p:sldIdLst>
     <p:sldId id="305" r:id="rId2"/>
-    <p:sldId id="579" r:id="rId3"/>
-    <p:sldId id="749" r:id="rId4"/>
-    <p:sldId id="751" r:id="rId5"/>
-    <p:sldId id="580" r:id="rId6"/>
-    <p:sldId id="752" r:id="rId7"/>
-    <p:sldId id="659" r:id="rId8"/>
-    <p:sldId id="483" r:id="rId9"/>
-    <p:sldId id="666" r:id="rId10"/>
-    <p:sldId id="656" r:id="rId11"/>
-    <p:sldId id="661" r:id="rId12"/>
-    <p:sldId id="618" r:id="rId13"/>
-    <p:sldId id="655" r:id="rId14"/>
-    <p:sldId id="617" r:id="rId15"/>
-    <p:sldId id="662" r:id="rId16"/>
+    <p:sldId id="753" r:id="rId3"/>
+    <p:sldId id="579" r:id="rId4"/>
+    <p:sldId id="749" r:id="rId5"/>
+    <p:sldId id="751" r:id="rId6"/>
+    <p:sldId id="580" r:id="rId7"/>
+    <p:sldId id="752" r:id="rId8"/>
+    <p:sldId id="659" r:id="rId9"/>
+    <p:sldId id="483" r:id="rId10"/>
+    <p:sldId id="666" r:id="rId11"/>
+    <p:sldId id="656" r:id="rId12"/>
+    <p:sldId id="661" r:id="rId13"/>
+    <p:sldId id="533" r:id="rId14"/>
+    <p:sldId id="534" r:id="rId15"/>
+    <p:sldId id="531" r:id="rId16"/>
+    <p:sldId id="618" r:id="rId17"/>
+    <p:sldId id="655" r:id="rId18"/>
+    <p:sldId id="617" r:id="rId19"/>
+    <p:sldId id="662" r:id="rId20"/>
   </p:sldIdLst>
   <p:sldSz cx="12192000" cy="6858000"/>
   <p:notesSz cx="6858000" cy="9144000"/>
@@ -211,7 +215,7 @@
           <a:p>
             <a:fld id="{A677DEB0-5AA4-49C7-B0AD-AD047A002C4C}" type="datetimeFigureOut">
               <a:rPr lang="en-US" smtClean="0"/>
-              <a:t>1/27/20</a:t>
+              <a:t>1/28/20</a:t>
             </a:fld>
             <a:endParaRPr lang="en-US"/>
           </a:p>
@@ -606,7 +610,7 @@
           <a:bodyPr/>
           <a:lstStyle/>
           <a:p>
-            <a:endParaRPr lang="en-US" dirty="0"/>
+            <a:endParaRPr lang="en-US" sz="1000" dirty="0"/>
           </a:p>
         </p:txBody>
       </p:sp>
@@ -625,18 +629,18 @@
           <a:bodyPr/>
           <a:lstStyle/>
           <a:p>
-            <a:fld id="{23B99BB9-C7F6-43B3-A122-46088ABB36FB}" type="slidenum">
+            <a:fld id="{5394DE12-7B9B-46AA-AC19-C30A49928B9B}" type="slidenum">
               <a:rPr lang="en-US" smtClean="0"/>
               <a:t>12</a:t>
             </a:fld>
-            <a:endParaRPr lang="en-US"/>
+            <a:endParaRPr lang="en-US" dirty="0"/>
           </a:p>
         </p:txBody>
       </p:sp>
     </p:spTree>
     <p:extLst>
       <p:ext uri="{BB962C8B-B14F-4D97-AF65-F5344CB8AC3E}">
-        <p14:creationId xmlns:p14="http://schemas.microsoft.com/office/powerpoint/2010/main" val="3455238781"/>
+        <p14:creationId xmlns:p14="http://schemas.microsoft.com/office/powerpoint/2010/main" val="28396070"/>
       </p:ext>
     </p:extLst>
   </p:cSld>
@@ -663,67 +667,10 @@
           <a:chExt cx="0" cy="0"/>
         </a:xfrm>
       </p:grpSpPr>
-      <p:sp>
-        <p:nvSpPr>
-          <p:cNvPr id="2" name="Slide Image Placeholder 1"/>
-          <p:cNvSpPr>
-            <a:spLocks noGrp="1" noRot="1" noChangeAspect="1"/>
-          </p:cNvSpPr>
-          <p:nvPr>
-            <p:ph type="sldImg"/>
-          </p:nvPr>
-        </p:nvSpPr>
-        <p:spPr/>
-      </p:sp>
-      <p:sp>
-        <p:nvSpPr>
-          <p:cNvPr id="3" name="Notes Placeholder 2"/>
-          <p:cNvSpPr>
-            <a:spLocks noGrp="1"/>
-          </p:cNvSpPr>
-          <p:nvPr>
-            <p:ph type="body" idx="1"/>
-          </p:nvPr>
-        </p:nvSpPr>
-        <p:spPr/>
-        <p:txBody>
-          <a:bodyPr/>
-          <a:lstStyle/>
-          <a:p>
-            <a:endParaRPr lang="en-US" dirty="0"/>
-          </a:p>
-          <a:p>
-            <a:endParaRPr lang="en-US" dirty="0"/>
-          </a:p>
-        </p:txBody>
-      </p:sp>
-      <p:sp>
-        <p:nvSpPr>
-          <p:cNvPr id="4" name="Slide Number Placeholder 3"/>
-          <p:cNvSpPr>
-            <a:spLocks noGrp="1"/>
-          </p:cNvSpPr>
-          <p:nvPr>
-            <p:ph type="sldNum" sz="quarter" idx="10"/>
-          </p:nvPr>
-        </p:nvSpPr>
-        <p:spPr/>
-        <p:txBody>
-          <a:bodyPr/>
-          <a:lstStyle/>
-          <a:p>
-            <a:fld id="{23B99BB9-C7F6-43B3-A122-46088ABB36FB}" type="slidenum">
-              <a:rPr lang="en-US" smtClean="0"/>
-              <a:t>13</a:t>
-            </a:fld>
-            <a:endParaRPr lang="en-US"/>
-          </a:p>
-        </p:txBody>
-      </p:sp>
     </p:spTree>
     <p:extLst>
       <p:ext uri="{BB962C8B-B14F-4D97-AF65-F5344CB8AC3E}">
-        <p14:creationId xmlns:p14="http://schemas.microsoft.com/office/powerpoint/2010/main" val="363402361"/>
+        <p14:creationId xmlns:p14="http://schemas.microsoft.com/office/powerpoint/2010/main" val="1506893603"/>
       </p:ext>
     </p:extLst>
   </p:cSld>
@@ -750,64 +697,10 @@
           <a:chExt cx="0" cy="0"/>
         </a:xfrm>
       </p:grpSpPr>
-      <p:sp>
-        <p:nvSpPr>
-          <p:cNvPr id="2" name="Slide Image Placeholder 1"/>
-          <p:cNvSpPr>
-            <a:spLocks noGrp="1" noRot="1" noChangeAspect="1"/>
-          </p:cNvSpPr>
-          <p:nvPr>
-            <p:ph type="sldImg"/>
-          </p:nvPr>
-        </p:nvSpPr>
-        <p:spPr/>
-      </p:sp>
-      <p:sp>
-        <p:nvSpPr>
-          <p:cNvPr id="3" name="Notes Placeholder 2"/>
-          <p:cNvSpPr>
-            <a:spLocks noGrp="1"/>
-          </p:cNvSpPr>
-          <p:nvPr>
-            <p:ph type="body" idx="1"/>
-          </p:nvPr>
-        </p:nvSpPr>
-        <p:spPr/>
-        <p:txBody>
-          <a:bodyPr/>
-          <a:lstStyle/>
-          <a:p>
-            <a:endParaRPr lang="en-US" dirty="0"/>
-          </a:p>
-        </p:txBody>
-      </p:sp>
-      <p:sp>
-        <p:nvSpPr>
-          <p:cNvPr id="4" name="Slide Number Placeholder 3"/>
-          <p:cNvSpPr>
-            <a:spLocks noGrp="1"/>
-          </p:cNvSpPr>
-          <p:nvPr>
-            <p:ph type="sldNum" sz="quarter" idx="10"/>
-          </p:nvPr>
-        </p:nvSpPr>
-        <p:spPr/>
-        <p:txBody>
-          <a:bodyPr/>
-          <a:lstStyle/>
-          <a:p>
-            <a:fld id="{23B99BB9-C7F6-43B3-A122-46088ABB36FB}" type="slidenum">
-              <a:rPr lang="en-US" smtClean="0"/>
-              <a:t>14</a:t>
-            </a:fld>
-            <a:endParaRPr lang="en-US"/>
-          </a:p>
-        </p:txBody>
-      </p:sp>
     </p:spTree>
     <p:extLst>
       <p:ext uri="{BB962C8B-B14F-4D97-AF65-F5344CB8AC3E}">
-        <p14:creationId xmlns:p14="http://schemas.microsoft.com/office/powerpoint/2010/main" val="2478326449"/>
+        <p14:creationId xmlns:p14="http://schemas.microsoft.com/office/powerpoint/2010/main" val="1733363203"/>
       </p:ext>
     </p:extLst>
   </p:cSld>
@@ -872,6 +765,345 @@
             <a:spLocks noGrp="1"/>
           </p:cNvSpPr>
           <p:nvPr>
+            <p:ph type="sldNum" sz="quarter" idx="5"/>
+          </p:nvPr>
+        </p:nvSpPr>
+        <p:spPr/>
+        <p:txBody>
+          <a:bodyPr/>
+          <a:lstStyle/>
+          <a:p>
+            <a:fld id="{35A4D32B-0177-4B34-AE20-6C72705619FE}" type="slidenum">
+              <a:rPr lang="en-US" smtClean="0"/>
+              <a:t>15</a:t>
+            </a:fld>
+            <a:endParaRPr lang="en-US"/>
+          </a:p>
+        </p:txBody>
+      </p:sp>
+    </p:spTree>
+    <p:extLst>
+      <p:ext uri="{BB962C8B-B14F-4D97-AF65-F5344CB8AC3E}">
+        <p14:creationId xmlns:p14="http://schemas.microsoft.com/office/powerpoint/2010/main" val="335791762"/>
+      </p:ext>
+    </p:extLst>
+  </p:cSld>
+  <p:clrMapOvr>
+    <a:masterClrMapping/>
+  </p:clrMapOvr>
+</p:notes>
+</file>
+
+<file path=ppt/notesSlides/notesSlide14.xml><?xml version="1.0" encoding="utf-8"?>
+<p:notes xmlns:a="http://schemas.openxmlformats.org/drawingml/2006/main" xmlns:r="http://schemas.openxmlformats.org/officeDocument/2006/relationships" xmlns:p="http://schemas.openxmlformats.org/presentationml/2006/main">
+  <p:cSld>
+    <p:spTree>
+      <p:nvGrpSpPr>
+        <p:cNvPr id="1" name=""/>
+        <p:cNvGrpSpPr/>
+        <p:nvPr/>
+      </p:nvGrpSpPr>
+      <p:grpSpPr>
+        <a:xfrm>
+          <a:off x="0" y="0"/>
+          <a:ext cx="0" cy="0"/>
+          <a:chOff x="0" y="0"/>
+          <a:chExt cx="0" cy="0"/>
+        </a:xfrm>
+      </p:grpSpPr>
+      <p:sp>
+        <p:nvSpPr>
+          <p:cNvPr id="2" name="Slide Image Placeholder 1"/>
+          <p:cNvSpPr>
+            <a:spLocks noGrp="1" noRot="1" noChangeAspect="1"/>
+          </p:cNvSpPr>
+          <p:nvPr>
+            <p:ph type="sldImg"/>
+          </p:nvPr>
+        </p:nvSpPr>
+        <p:spPr/>
+      </p:sp>
+      <p:sp>
+        <p:nvSpPr>
+          <p:cNvPr id="3" name="Notes Placeholder 2"/>
+          <p:cNvSpPr>
+            <a:spLocks noGrp="1"/>
+          </p:cNvSpPr>
+          <p:nvPr>
+            <p:ph type="body" idx="1"/>
+          </p:nvPr>
+        </p:nvSpPr>
+        <p:spPr/>
+        <p:txBody>
+          <a:bodyPr/>
+          <a:lstStyle/>
+          <a:p>
+            <a:endParaRPr lang="en-US" dirty="0"/>
+          </a:p>
+        </p:txBody>
+      </p:sp>
+      <p:sp>
+        <p:nvSpPr>
+          <p:cNvPr id="4" name="Slide Number Placeholder 3"/>
+          <p:cNvSpPr>
+            <a:spLocks noGrp="1"/>
+          </p:cNvSpPr>
+          <p:nvPr>
+            <p:ph type="sldNum" sz="quarter" idx="10"/>
+          </p:nvPr>
+        </p:nvSpPr>
+        <p:spPr/>
+        <p:txBody>
+          <a:bodyPr/>
+          <a:lstStyle/>
+          <a:p>
+            <a:fld id="{23B99BB9-C7F6-43B3-A122-46088ABB36FB}" type="slidenum">
+              <a:rPr lang="en-US" smtClean="0"/>
+              <a:t>16</a:t>
+            </a:fld>
+            <a:endParaRPr lang="en-US"/>
+          </a:p>
+        </p:txBody>
+      </p:sp>
+    </p:spTree>
+    <p:extLst>
+      <p:ext uri="{BB962C8B-B14F-4D97-AF65-F5344CB8AC3E}">
+        <p14:creationId xmlns:p14="http://schemas.microsoft.com/office/powerpoint/2010/main" val="3455238781"/>
+      </p:ext>
+    </p:extLst>
+  </p:cSld>
+  <p:clrMapOvr>
+    <a:masterClrMapping/>
+  </p:clrMapOvr>
+</p:notes>
+</file>
+
+<file path=ppt/notesSlides/notesSlide15.xml><?xml version="1.0" encoding="utf-8"?>
+<p:notes xmlns:a="http://schemas.openxmlformats.org/drawingml/2006/main" xmlns:r="http://schemas.openxmlformats.org/officeDocument/2006/relationships" xmlns:p="http://schemas.openxmlformats.org/presentationml/2006/main">
+  <p:cSld>
+    <p:spTree>
+      <p:nvGrpSpPr>
+        <p:cNvPr id="1" name=""/>
+        <p:cNvGrpSpPr/>
+        <p:nvPr/>
+      </p:nvGrpSpPr>
+      <p:grpSpPr>
+        <a:xfrm>
+          <a:off x="0" y="0"/>
+          <a:ext cx="0" cy="0"/>
+          <a:chOff x="0" y="0"/>
+          <a:chExt cx="0" cy="0"/>
+        </a:xfrm>
+      </p:grpSpPr>
+      <p:sp>
+        <p:nvSpPr>
+          <p:cNvPr id="2" name="Slide Image Placeholder 1"/>
+          <p:cNvSpPr>
+            <a:spLocks noGrp="1" noRot="1" noChangeAspect="1"/>
+          </p:cNvSpPr>
+          <p:nvPr>
+            <p:ph type="sldImg"/>
+          </p:nvPr>
+        </p:nvSpPr>
+        <p:spPr/>
+      </p:sp>
+      <p:sp>
+        <p:nvSpPr>
+          <p:cNvPr id="3" name="Notes Placeholder 2"/>
+          <p:cNvSpPr>
+            <a:spLocks noGrp="1"/>
+          </p:cNvSpPr>
+          <p:nvPr>
+            <p:ph type="body" idx="1"/>
+          </p:nvPr>
+        </p:nvSpPr>
+        <p:spPr/>
+        <p:txBody>
+          <a:bodyPr/>
+          <a:lstStyle/>
+          <a:p>
+            <a:endParaRPr lang="en-US" dirty="0"/>
+          </a:p>
+          <a:p>
+            <a:endParaRPr lang="en-US" dirty="0"/>
+          </a:p>
+        </p:txBody>
+      </p:sp>
+      <p:sp>
+        <p:nvSpPr>
+          <p:cNvPr id="4" name="Slide Number Placeholder 3"/>
+          <p:cNvSpPr>
+            <a:spLocks noGrp="1"/>
+          </p:cNvSpPr>
+          <p:nvPr>
+            <p:ph type="sldNum" sz="quarter" idx="10"/>
+          </p:nvPr>
+        </p:nvSpPr>
+        <p:spPr/>
+        <p:txBody>
+          <a:bodyPr/>
+          <a:lstStyle/>
+          <a:p>
+            <a:fld id="{23B99BB9-C7F6-43B3-A122-46088ABB36FB}" type="slidenum">
+              <a:rPr lang="en-US" smtClean="0"/>
+              <a:t>17</a:t>
+            </a:fld>
+            <a:endParaRPr lang="en-US"/>
+          </a:p>
+        </p:txBody>
+      </p:sp>
+    </p:spTree>
+    <p:extLst>
+      <p:ext uri="{BB962C8B-B14F-4D97-AF65-F5344CB8AC3E}">
+        <p14:creationId xmlns:p14="http://schemas.microsoft.com/office/powerpoint/2010/main" val="363402361"/>
+      </p:ext>
+    </p:extLst>
+  </p:cSld>
+  <p:clrMapOvr>
+    <a:masterClrMapping/>
+  </p:clrMapOvr>
+</p:notes>
+</file>
+
+<file path=ppt/notesSlides/notesSlide16.xml><?xml version="1.0" encoding="utf-8"?>
+<p:notes xmlns:a="http://schemas.openxmlformats.org/drawingml/2006/main" xmlns:r="http://schemas.openxmlformats.org/officeDocument/2006/relationships" xmlns:p="http://schemas.openxmlformats.org/presentationml/2006/main">
+  <p:cSld>
+    <p:spTree>
+      <p:nvGrpSpPr>
+        <p:cNvPr id="1" name=""/>
+        <p:cNvGrpSpPr/>
+        <p:nvPr/>
+      </p:nvGrpSpPr>
+      <p:grpSpPr>
+        <a:xfrm>
+          <a:off x="0" y="0"/>
+          <a:ext cx="0" cy="0"/>
+          <a:chOff x="0" y="0"/>
+          <a:chExt cx="0" cy="0"/>
+        </a:xfrm>
+      </p:grpSpPr>
+      <p:sp>
+        <p:nvSpPr>
+          <p:cNvPr id="2" name="Slide Image Placeholder 1"/>
+          <p:cNvSpPr>
+            <a:spLocks noGrp="1" noRot="1" noChangeAspect="1"/>
+          </p:cNvSpPr>
+          <p:nvPr>
+            <p:ph type="sldImg"/>
+          </p:nvPr>
+        </p:nvSpPr>
+        <p:spPr/>
+      </p:sp>
+      <p:sp>
+        <p:nvSpPr>
+          <p:cNvPr id="3" name="Notes Placeholder 2"/>
+          <p:cNvSpPr>
+            <a:spLocks noGrp="1"/>
+          </p:cNvSpPr>
+          <p:nvPr>
+            <p:ph type="body" idx="1"/>
+          </p:nvPr>
+        </p:nvSpPr>
+        <p:spPr/>
+        <p:txBody>
+          <a:bodyPr/>
+          <a:lstStyle/>
+          <a:p>
+            <a:endParaRPr lang="en-US" dirty="0"/>
+          </a:p>
+        </p:txBody>
+      </p:sp>
+      <p:sp>
+        <p:nvSpPr>
+          <p:cNvPr id="4" name="Slide Number Placeholder 3"/>
+          <p:cNvSpPr>
+            <a:spLocks noGrp="1"/>
+          </p:cNvSpPr>
+          <p:nvPr>
+            <p:ph type="sldNum" sz="quarter" idx="10"/>
+          </p:nvPr>
+        </p:nvSpPr>
+        <p:spPr/>
+        <p:txBody>
+          <a:bodyPr/>
+          <a:lstStyle/>
+          <a:p>
+            <a:fld id="{23B99BB9-C7F6-43B3-A122-46088ABB36FB}" type="slidenum">
+              <a:rPr lang="en-US" smtClean="0"/>
+              <a:t>18</a:t>
+            </a:fld>
+            <a:endParaRPr lang="en-US"/>
+          </a:p>
+        </p:txBody>
+      </p:sp>
+    </p:spTree>
+    <p:extLst>
+      <p:ext uri="{BB962C8B-B14F-4D97-AF65-F5344CB8AC3E}">
+        <p14:creationId xmlns:p14="http://schemas.microsoft.com/office/powerpoint/2010/main" val="2478326449"/>
+      </p:ext>
+    </p:extLst>
+  </p:cSld>
+  <p:clrMapOvr>
+    <a:masterClrMapping/>
+  </p:clrMapOvr>
+</p:notes>
+</file>
+
+<file path=ppt/notesSlides/notesSlide17.xml><?xml version="1.0" encoding="utf-8"?>
+<p:notes xmlns:a="http://schemas.openxmlformats.org/drawingml/2006/main" xmlns:r="http://schemas.openxmlformats.org/officeDocument/2006/relationships" xmlns:p="http://schemas.openxmlformats.org/presentationml/2006/main">
+  <p:cSld>
+    <p:spTree>
+      <p:nvGrpSpPr>
+        <p:cNvPr id="1" name=""/>
+        <p:cNvGrpSpPr/>
+        <p:nvPr/>
+      </p:nvGrpSpPr>
+      <p:grpSpPr>
+        <a:xfrm>
+          <a:off x="0" y="0"/>
+          <a:ext cx="0" cy="0"/>
+          <a:chOff x="0" y="0"/>
+          <a:chExt cx="0" cy="0"/>
+        </a:xfrm>
+      </p:grpSpPr>
+      <p:sp>
+        <p:nvSpPr>
+          <p:cNvPr id="2" name="Slide Image Placeholder 1"/>
+          <p:cNvSpPr>
+            <a:spLocks noGrp="1" noRot="1" noChangeAspect="1"/>
+          </p:cNvSpPr>
+          <p:nvPr>
+            <p:ph type="sldImg"/>
+          </p:nvPr>
+        </p:nvSpPr>
+        <p:spPr/>
+      </p:sp>
+      <p:sp>
+        <p:nvSpPr>
+          <p:cNvPr id="3" name="Notes Placeholder 2"/>
+          <p:cNvSpPr>
+            <a:spLocks noGrp="1"/>
+          </p:cNvSpPr>
+          <p:nvPr>
+            <p:ph type="body" idx="1"/>
+          </p:nvPr>
+        </p:nvSpPr>
+        <p:spPr/>
+        <p:txBody>
+          <a:bodyPr/>
+          <a:lstStyle/>
+          <a:p>
+            <a:endParaRPr lang="en-US" dirty="0"/>
+          </a:p>
+        </p:txBody>
+      </p:sp>
+      <p:sp>
+        <p:nvSpPr>
+          <p:cNvPr id="4" name="Slide Number Placeholder 3"/>
+          <p:cNvSpPr>
+            <a:spLocks noGrp="1"/>
+          </p:cNvSpPr>
+          <p:nvPr>
             <p:ph type="sldNum" sz="quarter" idx="10"/>
           </p:nvPr>
         </p:nvSpPr>
@@ -882,7 +1114,7 @@
           <a:p>
             <a:fld id="{5394DE12-7B9B-46AA-AC19-C30A49928B9B}" type="slidenum">
               <a:rPr lang="en-US" smtClean="0"/>
-              <a:t>15</a:t>
+              <a:t>19</a:t>
             </a:fld>
             <a:endParaRPr lang="en-US" dirty="0"/>
           </a:p>
@@ -964,18 +1196,18 @@
           <a:bodyPr/>
           <a:lstStyle/>
           <a:p>
-            <a:fld id="{23B99BB9-C7F6-43B3-A122-46088ABB36FB}" type="slidenum">
+            <a:fld id="{5394DE12-7B9B-46AA-AC19-C30A49928B9B}" type="slidenum">
               <a:rPr lang="en-US" smtClean="0"/>
               <a:t>2</a:t>
             </a:fld>
-            <a:endParaRPr lang="en-US"/>
+            <a:endParaRPr lang="en-US" dirty="0"/>
           </a:p>
         </p:txBody>
       </p:sp>
     </p:spTree>
     <p:extLst>
       <p:ext uri="{BB962C8B-B14F-4D97-AF65-F5344CB8AC3E}">
-        <p14:creationId xmlns:p14="http://schemas.microsoft.com/office/powerpoint/2010/main" val="1526381032"/>
+        <p14:creationId xmlns:p14="http://schemas.microsoft.com/office/powerpoint/2010/main" val="652715977"/>
       </p:ext>
     </p:extLst>
   </p:cSld>
@@ -1029,10 +1261,7 @@
           <a:bodyPr/>
           <a:lstStyle/>
           <a:p>
-            <a:r>
-              <a:rPr lang="en-US" dirty="0"/>
-              <a:t>Calendar, Activities List, and Assignments</a:t>
-            </a:r>
+            <a:endParaRPr lang="en-US" dirty="0"/>
           </a:p>
         </p:txBody>
       </p:sp>
@@ -1043,7 +1272,7 @@
             <a:spLocks noGrp="1"/>
           </p:cNvSpPr>
           <p:nvPr>
-            <p:ph type="sldNum" sz="quarter" idx="5"/>
+            <p:ph type="sldNum" sz="quarter" idx="10"/>
           </p:nvPr>
         </p:nvSpPr>
         <p:spPr/>
@@ -1051,9 +1280,9 @@
           <a:bodyPr/>
           <a:lstStyle/>
           <a:p>
-            <a:fld id="{35A4D32B-0177-4B34-AE20-6C72705619FE}" type="slidenum">
+            <a:fld id="{23B99BB9-C7F6-43B3-A122-46088ABB36FB}" type="slidenum">
               <a:rPr lang="en-US" smtClean="0"/>
-              <a:t>4</a:t>
+              <a:t>3</a:t>
             </a:fld>
             <a:endParaRPr lang="en-US"/>
           </a:p>
@@ -1062,7 +1291,7 @@
     </p:spTree>
     <p:extLst>
       <p:ext uri="{BB962C8B-B14F-4D97-AF65-F5344CB8AC3E}">
-        <p14:creationId xmlns:p14="http://schemas.microsoft.com/office/powerpoint/2010/main" val="1108045024"/>
+        <p14:creationId xmlns:p14="http://schemas.microsoft.com/office/powerpoint/2010/main" val="1526381032"/>
       </p:ext>
     </p:extLst>
   </p:cSld>
@@ -1116,7 +1345,10 @@
           <a:bodyPr/>
           <a:lstStyle/>
           <a:p>
-            <a:endParaRPr lang="en-US" dirty="0"/>
+            <a:r>
+              <a:rPr lang="en-US" dirty="0"/>
+              <a:t>Calendar, Activities List, and Assignments</a:t>
+            </a:r>
           </a:p>
         </p:txBody>
       </p:sp>
@@ -1127,7 +1359,7 @@
             <a:spLocks noGrp="1"/>
           </p:cNvSpPr>
           <p:nvPr>
-            <p:ph type="sldNum" sz="quarter" idx="10"/>
+            <p:ph type="sldNum" sz="quarter" idx="5"/>
           </p:nvPr>
         </p:nvSpPr>
         <p:spPr/>
@@ -1135,18 +1367,18 @@
           <a:bodyPr/>
           <a:lstStyle/>
           <a:p>
-            <a:fld id="{5394DE12-7B9B-46AA-AC19-C30A49928B9B}" type="slidenum">
+            <a:fld id="{35A4D32B-0177-4B34-AE20-6C72705619FE}" type="slidenum">
               <a:rPr lang="en-US" smtClean="0"/>
               <a:t>5</a:t>
             </a:fld>
-            <a:endParaRPr lang="en-US" dirty="0"/>
+            <a:endParaRPr lang="en-US"/>
           </a:p>
         </p:txBody>
       </p:sp>
     </p:spTree>
     <p:extLst>
       <p:ext uri="{BB962C8B-B14F-4D97-AF65-F5344CB8AC3E}">
-        <p14:creationId xmlns:p14="http://schemas.microsoft.com/office/powerpoint/2010/main" val="1494014533"/>
+        <p14:creationId xmlns:p14="http://schemas.microsoft.com/office/powerpoint/2010/main" val="1108045024"/>
       </p:ext>
     </p:extLst>
   </p:cSld>
@@ -1230,7 +1462,7 @@
     </p:spTree>
     <p:extLst>
       <p:ext uri="{BB962C8B-B14F-4D97-AF65-F5344CB8AC3E}">
-        <p14:creationId xmlns:p14="http://schemas.microsoft.com/office/powerpoint/2010/main" val="760909487"/>
+        <p14:creationId xmlns:p14="http://schemas.microsoft.com/office/powerpoint/2010/main" val="1494014533"/>
       </p:ext>
     </p:extLst>
   </p:cSld>
@@ -1284,15 +1516,7 @@
           <a:bodyPr/>
           <a:lstStyle/>
           <a:p>
-            <a:endParaRPr lang="en-US" sz="1200" kern="1200" dirty="0">
-              <a:solidFill>
-                <a:schemeClr val="tx1"/>
-              </a:solidFill>
-              <a:effectLst/>
-              <a:latin typeface="+mn-lt"/>
-              <a:ea typeface="+mn-ea"/>
-              <a:cs typeface="+mn-cs"/>
-            </a:endParaRPr>
+            <a:endParaRPr lang="en-US" dirty="0"/>
           </a:p>
         </p:txBody>
       </p:sp>
@@ -1303,7 +1527,7 @@
             <a:spLocks noGrp="1"/>
           </p:cNvSpPr>
           <p:nvPr>
-            <p:ph type="sldNum" sz="quarter" idx="5"/>
+            <p:ph type="sldNum" sz="quarter" idx="10"/>
           </p:nvPr>
         </p:nvSpPr>
         <p:spPr/>
@@ -1311,18 +1535,18 @@
           <a:bodyPr/>
           <a:lstStyle/>
           <a:p>
-            <a:fld id="{35A4D32B-0177-4B34-AE20-6C72705619FE}" type="slidenum">
+            <a:fld id="{5394DE12-7B9B-46AA-AC19-C30A49928B9B}" type="slidenum">
               <a:rPr lang="en-US" smtClean="0"/>
               <a:t>7</a:t>
             </a:fld>
-            <a:endParaRPr lang="en-US"/>
+            <a:endParaRPr lang="en-US" dirty="0"/>
           </a:p>
         </p:txBody>
       </p:sp>
     </p:spTree>
     <p:extLst>
       <p:ext uri="{BB962C8B-B14F-4D97-AF65-F5344CB8AC3E}">
-        <p14:creationId xmlns:p14="http://schemas.microsoft.com/office/powerpoint/2010/main" val="1316859715"/>
+        <p14:creationId xmlns:p14="http://schemas.microsoft.com/office/powerpoint/2010/main" val="760909487"/>
       </p:ext>
     </p:extLst>
   </p:cSld>
@@ -1351,13 +1575,19 @@
       </p:grpSpPr>
       <p:sp>
         <p:nvSpPr>
-          <p:cNvPr id="2" name="Notes Placeholder 1">
-            <a:extLst>
-              <a:ext uri="{FF2B5EF4-FFF2-40B4-BE49-F238E27FC236}">
-                <a16:creationId xmlns:a16="http://schemas.microsoft.com/office/drawing/2014/main" id="{F6D9EC4B-4B1B-C943-AC65-9B214A1C3BCB}"/>
-              </a:ext>
-            </a:extLst>
-          </p:cNvPr>
+          <p:cNvPr id="2" name="Slide Image Placeholder 1"/>
+          <p:cNvSpPr>
+            <a:spLocks noGrp="1" noRot="1" noChangeAspect="1"/>
+          </p:cNvSpPr>
+          <p:nvPr>
+            <p:ph type="sldImg"/>
+          </p:nvPr>
+        </p:nvSpPr>
+        <p:spPr/>
+      </p:sp>
+      <p:sp>
+        <p:nvSpPr>
+          <p:cNvPr id="3" name="Notes Placeholder 2"/>
           <p:cNvSpPr>
             <a:spLocks noGrp="1"/>
           </p:cNvSpPr>
@@ -1370,6 +1600,37 @@
           <a:bodyPr/>
           <a:lstStyle/>
           <a:p>
+            <a:endParaRPr lang="en-US" sz="1200" kern="1200" dirty="0">
+              <a:solidFill>
+                <a:schemeClr val="tx1"/>
+              </a:solidFill>
+              <a:effectLst/>
+              <a:latin typeface="+mn-lt"/>
+              <a:ea typeface="+mn-ea"/>
+              <a:cs typeface="+mn-cs"/>
+            </a:endParaRPr>
+          </a:p>
+        </p:txBody>
+      </p:sp>
+      <p:sp>
+        <p:nvSpPr>
+          <p:cNvPr id="4" name="Slide Number Placeholder 3"/>
+          <p:cNvSpPr>
+            <a:spLocks noGrp="1"/>
+          </p:cNvSpPr>
+          <p:nvPr>
+            <p:ph type="sldNum" sz="quarter" idx="5"/>
+          </p:nvPr>
+        </p:nvSpPr>
+        <p:spPr/>
+        <p:txBody>
+          <a:bodyPr/>
+          <a:lstStyle/>
+          <a:p>
+            <a:fld id="{35A4D32B-0177-4B34-AE20-6C72705619FE}" type="slidenum">
+              <a:rPr lang="en-US" smtClean="0"/>
+              <a:t>8</a:t>
+            </a:fld>
             <a:endParaRPr lang="en-US"/>
           </a:p>
         </p:txBody>
@@ -1377,7 +1638,7 @@
     </p:spTree>
     <p:extLst>
       <p:ext uri="{BB962C8B-B14F-4D97-AF65-F5344CB8AC3E}">
-        <p14:creationId xmlns:p14="http://schemas.microsoft.com/office/powerpoint/2010/main" val="2520640125"/>
+        <p14:creationId xmlns:p14="http://schemas.microsoft.com/office/powerpoint/2010/main" val="1316859715"/>
       </p:ext>
     </p:extLst>
   </p:cSld>
@@ -1406,60 +1667,25 @@
       </p:grpSpPr>
       <p:sp>
         <p:nvSpPr>
-          <p:cNvPr id="2" name="Slide Image Placeholder 1"/>
-          <p:cNvSpPr>
-            <a:spLocks noGrp="1" noRot="1" noChangeAspect="1"/>
-          </p:cNvSpPr>
-          <p:nvPr>
-            <p:ph type="sldImg"/>
+          <p:cNvPr id="2" name="Notes Placeholder 1">
+            <a:extLst>
+              <a:ext uri="{FF2B5EF4-FFF2-40B4-BE49-F238E27FC236}">
+                <a16:creationId xmlns:a16="http://schemas.microsoft.com/office/drawing/2014/main" id="{F6D9EC4B-4B1B-C943-AC65-9B214A1C3BCB}"/>
+              </a:ext>
+            </a:extLst>
+          </p:cNvPr>
+          <p:cNvSpPr>
+            <a:spLocks noGrp="1"/>
+          </p:cNvSpPr>
+          <p:nvPr>
+            <p:ph type="body" idx="1"/>
           </p:nvPr>
         </p:nvSpPr>
         <p:spPr/>
-      </p:sp>
-      <p:sp>
-        <p:nvSpPr>
-          <p:cNvPr id="3" name="Notes Placeholder 2"/>
-          <p:cNvSpPr>
-            <a:spLocks noGrp="1"/>
-          </p:cNvSpPr>
-          <p:nvPr>
-            <p:ph type="body" idx="1"/>
-          </p:nvPr>
-        </p:nvSpPr>
-        <p:spPr/>
         <p:txBody>
           <a:bodyPr/>
           <a:lstStyle/>
           <a:p>
-            <a:br>
-              <a:rPr lang="en-US" dirty="0"/>
-            </a:br>
-            <a:r>
-              <a:rPr lang="en-US" dirty="0"/>
-              <a:t>Grace period until Monday morning a 6am CT</a:t>
-            </a:r>
-          </a:p>
-        </p:txBody>
-      </p:sp>
-      <p:sp>
-        <p:nvSpPr>
-          <p:cNvPr id="4" name="Slide Number Placeholder 3"/>
-          <p:cNvSpPr>
-            <a:spLocks noGrp="1"/>
-          </p:cNvSpPr>
-          <p:nvPr>
-            <p:ph type="sldNum" sz="quarter" idx="5"/>
-          </p:nvPr>
-        </p:nvSpPr>
-        <p:spPr/>
-        <p:txBody>
-          <a:bodyPr/>
-          <a:lstStyle/>
-          <a:p>
-            <a:fld id="{35A4D32B-0177-4B34-AE20-6C72705619FE}" type="slidenum">
-              <a:rPr lang="en-US" smtClean="0"/>
-              <a:t>10</a:t>
-            </a:fld>
             <a:endParaRPr lang="en-US"/>
           </a:p>
         </p:txBody>
@@ -1467,7 +1693,7 @@
     </p:spTree>
     <p:extLst>
       <p:ext uri="{BB962C8B-B14F-4D97-AF65-F5344CB8AC3E}">
-        <p14:creationId xmlns:p14="http://schemas.microsoft.com/office/powerpoint/2010/main" val="3766159782"/>
+        <p14:creationId xmlns:p14="http://schemas.microsoft.com/office/powerpoint/2010/main" val="2520640125"/>
       </p:ext>
     </p:extLst>
   </p:cSld>
@@ -1521,7 +1747,13 @@
           <a:bodyPr/>
           <a:lstStyle/>
           <a:p>
-            <a:endParaRPr lang="en-US" sz="1000" dirty="0"/>
+            <a:br>
+              <a:rPr lang="en-US" dirty="0"/>
+            </a:br>
+            <a:r>
+              <a:rPr lang="en-US" dirty="0"/>
+              <a:t>Grace period until Monday morning a 6am CT</a:t>
+            </a:r>
           </a:p>
         </p:txBody>
       </p:sp>
@@ -1532,7 +1764,7 @@
             <a:spLocks noGrp="1"/>
           </p:cNvSpPr>
           <p:nvPr>
-            <p:ph type="sldNum" sz="quarter" idx="10"/>
+            <p:ph type="sldNum" sz="quarter" idx="5"/>
           </p:nvPr>
         </p:nvSpPr>
         <p:spPr/>
@@ -1540,18 +1772,18 @@
           <a:bodyPr/>
           <a:lstStyle/>
           <a:p>
-            <a:fld id="{5394DE12-7B9B-46AA-AC19-C30A49928B9B}" type="slidenum">
+            <a:fld id="{35A4D32B-0177-4B34-AE20-6C72705619FE}" type="slidenum">
               <a:rPr lang="en-US" smtClean="0"/>
               <a:t>11</a:t>
             </a:fld>
-            <a:endParaRPr lang="en-US" dirty="0"/>
+            <a:endParaRPr lang="en-US"/>
           </a:p>
         </p:txBody>
       </p:sp>
     </p:spTree>
     <p:extLst>
       <p:ext uri="{BB962C8B-B14F-4D97-AF65-F5344CB8AC3E}">
-        <p14:creationId xmlns:p14="http://schemas.microsoft.com/office/powerpoint/2010/main" val="28396070"/>
+        <p14:creationId xmlns:p14="http://schemas.microsoft.com/office/powerpoint/2010/main" val="3766159782"/>
       </p:ext>
     </p:extLst>
   </p:cSld>
@@ -1708,7 +1940,7 @@
           <a:p>
             <a:fld id="{1B52E0E1-344B-4E26-B5AD-CE86AB802485}" type="datetimeFigureOut">
               <a:rPr lang="en-US" smtClean="0"/>
-              <a:t>1/27/20</a:t>
+              <a:t>1/28/20</a:t>
             </a:fld>
             <a:endParaRPr lang="en-US"/>
           </a:p>
@@ -1906,7 +2138,7 @@
           <a:p>
             <a:fld id="{1B52E0E1-344B-4E26-B5AD-CE86AB802485}" type="datetimeFigureOut">
               <a:rPr lang="en-US" smtClean="0"/>
-              <a:t>1/27/20</a:t>
+              <a:t>1/28/20</a:t>
             </a:fld>
             <a:endParaRPr lang="en-US"/>
           </a:p>
@@ -2114,7 +2346,7 @@
           <a:p>
             <a:fld id="{1B52E0E1-344B-4E26-B5AD-CE86AB802485}" type="datetimeFigureOut">
               <a:rPr lang="en-US" smtClean="0"/>
-              <a:t>1/27/20</a:t>
+              <a:t>1/28/20</a:t>
             </a:fld>
             <a:endParaRPr lang="en-US"/>
           </a:p>
@@ -2312,7 +2544,7 @@
           <a:p>
             <a:fld id="{1B52E0E1-344B-4E26-B5AD-CE86AB802485}" type="datetimeFigureOut">
               <a:rPr lang="en-US" smtClean="0"/>
-              <a:t>1/27/20</a:t>
+              <a:t>1/28/20</a:t>
             </a:fld>
             <a:endParaRPr lang="en-US"/>
           </a:p>
@@ -2587,7 +2819,7 @@
           <a:p>
             <a:fld id="{1B52E0E1-344B-4E26-B5AD-CE86AB802485}" type="datetimeFigureOut">
               <a:rPr lang="en-US" smtClean="0"/>
-              <a:t>1/27/20</a:t>
+              <a:t>1/28/20</a:t>
             </a:fld>
             <a:endParaRPr lang="en-US"/>
           </a:p>
@@ -2852,7 +3084,7 @@
           <a:p>
             <a:fld id="{1B52E0E1-344B-4E26-B5AD-CE86AB802485}" type="datetimeFigureOut">
               <a:rPr lang="en-US" smtClean="0"/>
-              <a:t>1/27/20</a:t>
+              <a:t>1/28/20</a:t>
             </a:fld>
             <a:endParaRPr lang="en-US"/>
           </a:p>
@@ -3264,7 +3496,7 @@
           <a:p>
             <a:fld id="{1B52E0E1-344B-4E26-B5AD-CE86AB802485}" type="datetimeFigureOut">
               <a:rPr lang="en-US" smtClean="0"/>
-              <a:t>1/27/20</a:t>
+              <a:t>1/28/20</a:t>
             </a:fld>
             <a:endParaRPr lang="en-US"/>
           </a:p>
@@ -3405,7 +3637,7 @@
           <a:p>
             <a:fld id="{1B52E0E1-344B-4E26-B5AD-CE86AB802485}" type="datetimeFigureOut">
               <a:rPr lang="en-US" smtClean="0"/>
-              <a:t>1/27/20</a:t>
+              <a:t>1/28/20</a:t>
             </a:fld>
             <a:endParaRPr lang="en-US"/>
           </a:p>
@@ -3518,7 +3750,7 @@
           <a:p>
             <a:fld id="{1B52E0E1-344B-4E26-B5AD-CE86AB802485}" type="datetimeFigureOut">
               <a:rPr lang="en-US" smtClean="0"/>
-              <a:t>1/27/20</a:t>
+              <a:t>1/28/20</a:t>
             </a:fld>
             <a:endParaRPr lang="en-US"/>
           </a:p>
@@ -3829,7 +4061,7 @@
           <a:p>
             <a:fld id="{1B52E0E1-344B-4E26-B5AD-CE86AB802485}" type="datetimeFigureOut">
               <a:rPr lang="en-US" smtClean="0"/>
-              <a:t>1/27/20</a:t>
+              <a:t>1/28/20</a:t>
             </a:fld>
             <a:endParaRPr lang="en-US"/>
           </a:p>
@@ -4117,7 +4349,7 @@
           <a:p>
             <a:fld id="{1B52E0E1-344B-4E26-B5AD-CE86AB802485}" type="datetimeFigureOut">
               <a:rPr lang="en-US" smtClean="0"/>
-              <a:t>1/27/20</a:t>
+              <a:t>1/28/20</a:t>
             </a:fld>
             <a:endParaRPr lang="en-US"/>
           </a:p>
@@ -4358,7 +4590,7 @@
           <a:p>
             <a:fld id="{1B52E0E1-344B-4E26-B5AD-CE86AB802485}" type="datetimeFigureOut">
               <a:rPr lang="en-US" smtClean="0"/>
-              <a:t>1/27/20</a:t>
+              <a:t>1/28/20</a:t>
             </a:fld>
             <a:endParaRPr lang="en-US"/>
           </a:p>
@@ -4857,16 +5089,13 @@
             </a:pPr>
             <a:r>
               <a:rPr lang="en-US" sz="2000" dirty="0"/>
-              <a:t>Agenda for Tuesday, January 27</a:t>
+              <a:t>Agenda for Tuesday, January 28</a:t>
             </a:r>
             <a:r>
               <a:rPr lang="en-US" sz="2000" baseline="30000" dirty="0"/>
               <a:t>th</a:t>
             </a:r>
-            <a:r>
-              <a:rPr lang="en-US" sz="2000" dirty="0"/>
-              <a:t> at 2pm:</a:t>
-            </a:r>
+            <a:endParaRPr lang="en-US" sz="2000" dirty="0"/>
           </a:p>
           <a:p>
             <a:pPr marL="457200" indent="-457200">
@@ -4875,7 +5104,7 @@
             </a:pPr>
             <a:r>
               <a:rPr lang="en-US" sz="2000" dirty="0"/>
-              <a:t>Friendly Conversation Topic – Feedback Models</a:t>
+              <a:t>Friendly Conversation Topic</a:t>
             </a:r>
           </a:p>
           <a:p>
@@ -5059,7 +5288,7 @@
           <p:cNvPr id="2" name="Title 1">
             <a:extLst>
               <a:ext uri="{FF2B5EF4-FFF2-40B4-BE49-F238E27FC236}">
-                <a16:creationId xmlns:a16="http://schemas.microsoft.com/office/drawing/2014/main" id="{2A5755BE-860E-40EB-ADA6-6E82BCB49EC3}"/>
+                <a16:creationId xmlns:a16="http://schemas.microsoft.com/office/drawing/2014/main" id="{443FD3EE-6698-4602-B4C0-718F014616A4}"/>
               </a:ext>
             </a:extLst>
           </p:cNvPr>
@@ -5077,89 +5306,333 @@
           <a:p>
             <a:r>
               <a:rPr lang="en-US" dirty="0"/>
-              <a:t>Assignment</a:t>
-            </a:r>
-          </a:p>
-        </p:txBody>
-      </p:sp>
-      <p:sp>
-        <p:nvSpPr>
-          <p:cNvPr id="3" name="Content Placeholder 2">
-            <a:extLst>
-              <a:ext uri="{FF2B5EF4-FFF2-40B4-BE49-F238E27FC236}">
-                <a16:creationId xmlns:a16="http://schemas.microsoft.com/office/drawing/2014/main" id="{72EF5DE0-5958-4171-A9E3-3D288A31AC3F}"/>
-              </a:ext>
-            </a:extLst>
-          </p:cNvPr>
-          <p:cNvSpPr>
-            <a:spLocks noGrp="1"/>
-          </p:cNvSpPr>
-          <p:nvPr>
-            <p:ph idx="1"/>
-          </p:nvPr>
+              <a:t>Scrum Process &amp; Roles – Sprint Planning</a:t>
+            </a:r>
+          </a:p>
+        </p:txBody>
+      </p:sp>
+      <p:pic>
+        <p:nvPicPr>
+          <p:cNvPr id="1026" name="Picture 2" descr="https://upload.wikimedia.org/wikipedia/commons/d/df/Scrum_Framework.png">
+            <a:extLst>
+              <a:ext uri="{FF2B5EF4-FFF2-40B4-BE49-F238E27FC236}">
+                <a16:creationId xmlns:a16="http://schemas.microsoft.com/office/drawing/2014/main" id="{94D187A3-9AAC-4908-B843-2E262C28DBFE}"/>
+              </a:ext>
+            </a:extLst>
+          </p:cNvPr>
+          <p:cNvPicPr>
+            <a:picLocks noChangeAspect="1" noChangeArrowheads="1"/>
+          </p:cNvPicPr>
+          <p:nvPr/>
+        </p:nvPicPr>
+        <p:blipFill>
+          <a:blip r:embed="rId2">
+            <a:extLst>
+              <a:ext uri="{28A0092B-C50C-407E-A947-70E740481C1C}">
+                <a14:useLocalDpi xmlns:a14="http://schemas.microsoft.com/office/drawing/2010/main" val="0"/>
+              </a:ext>
+            </a:extLst>
+          </a:blip>
+          <a:srcRect/>
+          <a:stretch>
+            <a:fillRect/>
+          </a:stretch>
+        </p:blipFill>
+        <p:spPr bwMode="auto">
+          <a:xfrm>
+            <a:off x="2221847" y="1341064"/>
+            <a:ext cx="8138182" cy="4531099"/>
+          </a:xfrm>
+          <a:prstGeom prst="rect">
+            <a:avLst/>
+          </a:prstGeom>
+          <a:noFill/>
+          <a:extLst>
+            <a:ext uri="{909E8E84-426E-40DD-AFC4-6F175D3DCCD1}">
+              <a14:hiddenFill xmlns:a14="http://schemas.microsoft.com/office/drawing/2010/main">
+                <a:solidFill>
+                  <a:srgbClr val="FFFFFF"/>
+                </a:solidFill>
+              </a14:hiddenFill>
+            </a:ext>
+          </a:extLst>
+        </p:spPr>
+      </p:pic>
+      <p:sp>
+        <p:nvSpPr>
+          <p:cNvPr id="6" name="Rectangle 5">
+            <a:extLst>
+              <a:ext uri="{FF2B5EF4-FFF2-40B4-BE49-F238E27FC236}">
+                <a16:creationId xmlns:a16="http://schemas.microsoft.com/office/drawing/2014/main" id="{C5034F42-102F-445B-BE40-5AF1FC99349D}"/>
+              </a:ext>
+            </a:extLst>
+          </p:cNvPr>
+          <p:cNvSpPr/>
+          <p:nvPr/>
         </p:nvSpPr>
         <p:spPr>
           <a:xfrm>
-            <a:off x="838200" y="1654444"/>
-            <a:ext cx="10515600" cy="4522519"/>
+            <a:off x="3916346" y="6123543"/>
+            <a:ext cx="4749185" cy="369332"/>
           </a:xfrm>
+          <a:prstGeom prst="rect">
+            <a:avLst/>
+          </a:prstGeom>
         </p:spPr>
         <p:txBody>
-          <a:bodyPr>
-            <a:normAutofit/>
+          <a:bodyPr wrap="none">
+            <a:spAutoFit/>
           </a:bodyPr>
           <a:lstStyle/>
           <a:p>
-            <a:pPr marL="0" indent="0">
-              <a:buNone/>
-            </a:pPr>
-            <a:r>
-              <a:rPr lang="en-US" sz="2000" dirty="0"/>
-              <a:t>Complete Activities List items through item 6</a:t>
-            </a:r>
-          </a:p>
-          <a:p>
-            <a:pPr marL="0" indent="0">
-              <a:buNone/>
-            </a:pPr>
-            <a:r>
-              <a:rPr lang="en-US" sz="2000" dirty="0"/>
-              <a:t>Be ready for Sprint 1 demos including Class Forum postings.</a:t>
-            </a:r>
-          </a:p>
-          <a:p>
-            <a:pPr marL="0" indent="0">
-              <a:buNone/>
-            </a:pPr>
-            <a:endParaRPr lang="en-US" sz="2000" dirty="0"/>
-          </a:p>
-          <a:p>
-            <a:pPr marL="0" indent="0">
-              <a:buNone/>
-            </a:pPr>
-            <a:endParaRPr lang="en-US" sz="2000" dirty="0"/>
-          </a:p>
-          <a:p>
-            <a:pPr marL="0" indent="0">
-              <a:buNone/>
-            </a:pPr>
-            <a:endParaRPr lang="en-US" sz="1800" dirty="0"/>
-          </a:p>
-          <a:p>
+            <a:r>
+              <a:rPr lang="en-US" dirty="0"/>
+              <a:t>By </a:t>
+            </a:r>
+            <a:r>
+              <a:rPr lang="en-US" dirty="0" err="1">
+                <a:hlinkClick r:id="rId3" tooltip="User:Dr ian mitchell (page does not exist)"/>
+              </a:rPr>
+              <a:t>Dr</a:t>
+            </a:r>
+            <a:r>
+              <a:rPr lang="en-US" dirty="0">
+                <a:hlinkClick r:id="rId3" tooltip="User:Dr ian mitchell (page does not exist)"/>
+              </a:rPr>
+              <a:t> </a:t>
+            </a:r>
+            <a:r>
+              <a:rPr lang="en-US" dirty="0" err="1">
+                <a:hlinkClick r:id="rId3" tooltip="User:Dr ian mitchell (page does not exist)"/>
+              </a:rPr>
+              <a:t>ian</a:t>
+            </a:r>
+            <a:r>
+              <a:rPr lang="en-US" dirty="0">
+                <a:hlinkClick r:id="rId3" tooltip="User:Dr ian mitchell (page does not exist)"/>
+              </a:rPr>
+              <a:t> </a:t>
+            </a:r>
+            <a:r>
+              <a:rPr lang="en-US" dirty="0" err="1">
+                <a:hlinkClick r:id="rId3" tooltip="User:Dr ian mitchell (page does not exist)"/>
+              </a:rPr>
+              <a:t>mitchell</a:t>
+            </a:r>
+            <a:r>
+              <a:rPr lang="en-US" dirty="0"/>
+              <a:t> - Own work, </a:t>
+            </a:r>
+            <a:r>
+              <a:rPr lang="en-US" dirty="0">
+                <a:hlinkClick r:id="rId4" tooltip="Creative Commons Attribution-Share Alike 4.0"/>
+              </a:rPr>
+              <a:t>CC BY-SA 4.0</a:t>
+            </a:r>
+            <a:r>
+              <a:rPr lang="en-US" dirty="0"/>
+              <a:t>, </a:t>
+            </a:r>
+            <a:r>
+              <a:rPr lang="en-US" dirty="0">
+                <a:hlinkClick r:id="rId5"/>
+              </a:rPr>
+              <a:t>Link</a:t>
+            </a:r>
             <a:endParaRPr lang="en-US" dirty="0"/>
+          </a:p>
+        </p:txBody>
+      </p:sp>
+      <p:sp>
+        <p:nvSpPr>
+          <p:cNvPr id="13" name="Oval 12">
+            <a:extLst>
+              <a:ext uri="{FF2B5EF4-FFF2-40B4-BE49-F238E27FC236}">
+                <a16:creationId xmlns:a16="http://schemas.microsoft.com/office/drawing/2014/main" id="{CB822028-AE62-4F61-8F14-297C0D4C1218}"/>
+              </a:ext>
+            </a:extLst>
+          </p:cNvPr>
+          <p:cNvSpPr/>
+          <p:nvPr/>
+        </p:nvSpPr>
+        <p:spPr>
+          <a:xfrm>
+            <a:off x="3492082" y="4266588"/>
+            <a:ext cx="1303578" cy="554229"/>
+          </a:xfrm>
+          <a:prstGeom prst="ellipse">
+            <a:avLst/>
+          </a:prstGeom>
+          <a:solidFill>
+            <a:schemeClr val="tx1">
+              <a:alpha val="0"/>
+            </a:schemeClr>
+          </a:solidFill>
+          <a:ln w="38100">
+            <a:solidFill>
+              <a:srgbClr val="C00000"/>
+            </a:solidFill>
+          </a:ln>
+        </p:spPr>
+        <p:style>
+          <a:lnRef idx="2">
+            <a:schemeClr val="accent1">
+              <a:shade val="50000"/>
+            </a:schemeClr>
+          </a:lnRef>
+          <a:fillRef idx="1">
+            <a:schemeClr val="accent1"/>
+          </a:fillRef>
+          <a:effectRef idx="0">
+            <a:schemeClr val="accent1"/>
+          </a:effectRef>
+          <a:fontRef idx="minor">
+            <a:schemeClr val="lt1"/>
+          </a:fontRef>
+        </p:style>
+        <p:txBody>
+          <a:bodyPr rtlCol="0" anchor="ctr"/>
+          <a:lstStyle/>
+          <a:p>
+            <a:pPr algn="ctr"/>
+            <a:endParaRPr lang="en-US"/>
           </a:p>
         </p:txBody>
       </p:sp>
     </p:spTree>
     <p:extLst>
       <p:ext uri="{BB962C8B-B14F-4D97-AF65-F5344CB8AC3E}">
-        <p14:creationId xmlns:p14="http://schemas.microsoft.com/office/powerpoint/2010/main" val="430184212"/>
+        <p14:creationId xmlns:p14="http://schemas.microsoft.com/office/powerpoint/2010/main" val="613436556"/>
       </p:ext>
     </p:extLst>
   </p:cSld>
   <p:clrMapOvr>
     <a:masterClrMapping/>
   </p:clrMapOvr>
+  <p:timing>
+    <p:tnLst>
+      <p:par>
+        <p:cTn id="1" dur="indefinite" restart="never" nodeType="tmRoot">
+          <p:childTnLst>
+            <p:seq concurrent="1" nextAc="seek">
+              <p:cTn id="2" dur="indefinite" nodeType="mainSeq">
+                <p:childTnLst>
+                  <p:par>
+                    <p:cTn id="3" fill="hold">
+                      <p:stCondLst>
+                        <p:cond delay="indefinite"/>
+                      </p:stCondLst>
+                      <p:childTnLst>
+                        <p:par>
+                          <p:cTn id="4" fill="hold">
+                            <p:stCondLst>
+                              <p:cond delay="0"/>
+                            </p:stCondLst>
+                            <p:childTnLst>
+                              <p:par>
+                                <p:cTn id="5" presetID="2" presetClass="entr" presetSubtype="4" fill="hold" grpId="0" nodeType="clickEffect">
+                                  <p:stCondLst>
+                                    <p:cond delay="0"/>
+                                  </p:stCondLst>
+                                  <p:childTnLst>
+                                    <p:set>
+                                      <p:cBhvr>
+                                        <p:cTn id="6" dur="1" fill="hold">
+                                          <p:stCondLst>
+                                            <p:cond delay="0"/>
+                                          </p:stCondLst>
+                                        </p:cTn>
+                                        <p:tgtEl>
+                                          <p:spTgt spid="13"/>
+                                        </p:tgtEl>
+                                        <p:attrNameLst>
+                                          <p:attrName>style.visibility</p:attrName>
+                                        </p:attrNameLst>
+                                      </p:cBhvr>
+                                      <p:to>
+                                        <p:strVal val="visible"/>
+                                      </p:to>
+                                    </p:set>
+                                    <p:anim calcmode="lin" valueType="num">
+                                      <p:cBhvr additive="base">
+                                        <p:cTn id="7" dur="500" fill="hold"/>
+                                        <p:tgtEl>
+                                          <p:spTgt spid="13"/>
+                                        </p:tgtEl>
+                                        <p:attrNameLst>
+                                          <p:attrName>ppt_x</p:attrName>
+                                        </p:attrNameLst>
+                                      </p:cBhvr>
+                                      <p:tavLst>
+                                        <p:tav tm="0">
+                                          <p:val>
+                                            <p:strVal val="#ppt_x"/>
+                                          </p:val>
+                                        </p:tav>
+                                        <p:tav tm="100000">
+                                          <p:val>
+                                            <p:strVal val="#ppt_x"/>
+                                          </p:val>
+                                        </p:tav>
+                                      </p:tavLst>
+                                    </p:anim>
+                                    <p:anim calcmode="lin" valueType="num">
+                                      <p:cBhvr additive="base">
+                                        <p:cTn id="8" dur="500" fill="hold"/>
+                                        <p:tgtEl>
+                                          <p:spTgt spid="13"/>
+                                        </p:tgtEl>
+                                        <p:attrNameLst>
+                                          <p:attrName>ppt_y</p:attrName>
+                                        </p:attrNameLst>
+                                      </p:cBhvr>
+                                      <p:tavLst>
+                                        <p:tav tm="0">
+                                          <p:val>
+                                            <p:strVal val="1+#ppt_h/2"/>
+                                          </p:val>
+                                        </p:tav>
+                                        <p:tav tm="100000">
+                                          <p:val>
+                                            <p:strVal val="#ppt_y"/>
+                                          </p:val>
+                                        </p:tav>
+                                      </p:tavLst>
+                                    </p:anim>
+                                  </p:childTnLst>
+                                </p:cTn>
+                              </p:par>
+                            </p:childTnLst>
+                          </p:cTn>
+                        </p:par>
+                      </p:childTnLst>
+                    </p:cTn>
+                  </p:par>
+                </p:childTnLst>
+              </p:cTn>
+              <p:prevCondLst>
+                <p:cond evt="onPrev" delay="0">
+                  <p:tgtEl>
+                    <p:sldTgt/>
+                  </p:tgtEl>
+                </p:cond>
+              </p:prevCondLst>
+              <p:nextCondLst>
+                <p:cond evt="onNext" delay="0">
+                  <p:tgtEl>
+                    <p:sldTgt/>
+                  </p:tgtEl>
+                </p:cond>
+              </p:nextCondLst>
+            </p:seq>
+          </p:childTnLst>
+        </p:cTn>
+      </p:par>
+    </p:tnLst>
+    <p:bldLst>
+      <p:bldP spid="13" grpId="0" animBg="1"/>
+    </p:bldLst>
+  </p:timing>
 </p:sld>
 </file>
 
@@ -5182,6 +5655,141 @@
       </p:grpSpPr>
       <p:sp>
         <p:nvSpPr>
+          <p:cNvPr id="2" name="Title 1">
+            <a:extLst>
+              <a:ext uri="{FF2B5EF4-FFF2-40B4-BE49-F238E27FC236}">
+                <a16:creationId xmlns:a16="http://schemas.microsoft.com/office/drawing/2014/main" id="{2A5755BE-860E-40EB-ADA6-6E82BCB49EC3}"/>
+              </a:ext>
+            </a:extLst>
+          </p:cNvPr>
+          <p:cNvSpPr>
+            <a:spLocks noGrp="1"/>
+          </p:cNvSpPr>
+          <p:nvPr>
+            <p:ph type="title"/>
+          </p:nvPr>
+        </p:nvSpPr>
+        <p:spPr/>
+        <p:txBody>
+          <a:bodyPr/>
+          <a:lstStyle/>
+          <a:p>
+            <a:r>
+              <a:rPr lang="en-US" dirty="0"/>
+              <a:t>Assignment</a:t>
+            </a:r>
+          </a:p>
+        </p:txBody>
+      </p:sp>
+      <p:sp>
+        <p:nvSpPr>
+          <p:cNvPr id="3" name="Content Placeholder 2">
+            <a:extLst>
+              <a:ext uri="{FF2B5EF4-FFF2-40B4-BE49-F238E27FC236}">
+                <a16:creationId xmlns:a16="http://schemas.microsoft.com/office/drawing/2014/main" id="{72EF5DE0-5958-4171-A9E3-3D288A31AC3F}"/>
+              </a:ext>
+            </a:extLst>
+          </p:cNvPr>
+          <p:cNvSpPr>
+            <a:spLocks noGrp="1"/>
+          </p:cNvSpPr>
+          <p:nvPr>
+            <p:ph idx="1"/>
+          </p:nvPr>
+        </p:nvSpPr>
+        <p:spPr>
+          <a:xfrm>
+            <a:off x="838200" y="1654444"/>
+            <a:ext cx="10515600" cy="4522519"/>
+          </a:xfrm>
+        </p:spPr>
+        <p:txBody>
+          <a:bodyPr>
+            <a:normAutofit/>
+          </a:bodyPr>
+          <a:lstStyle/>
+          <a:p>
+            <a:pPr marL="0" indent="0">
+              <a:buNone/>
+            </a:pPr>
+            <a:r>
+              <a:rPr lang="en-US" sz="2000" dirty="0"/>
+              <a:t>Complete Activities List items through item 6</a:t>
+            </a:r>
+          </a:p>
+          <a:p>
+            <a:pPr marL="0" indent="0">
+              <a:buNone/>
+            </a:pPr>
+            <a:r>
+              <a:rPr lang="en-US" sz="2000" dirty="0"/>
+              <a:t>Be ready for Sprint 1 demos (prework includes Class Forum postings)</a:t>
+            </a:r>
+          </a:p>
+          <a:p>
+            <a:pPr marL="0" indent="0">
+              <a:buNone/>
+            </a:pPr>
+            <a:r>
+              <a:rPr lang="en-US" sz="2000" dirty="0"/>
+              <a:t>Be ready to complete DB2 as a team</a:t>
+            </a:r>
+          </a:p>
+          <a:p>
+            <a:pPr marL="0" indent="0">
+              <a:buNone/>
+            </a:pPr>
+            <a:endParaRPr lang="en-US" sz="2000" dirty="0"/>
+          </a:p>
+          <a:p>
+            <a:pPr marL="0" indent="0">
+              <a:buNone/>
+            </a:pPr>
+            <a:endParaRPr lang="en-US" sz="2000" dirty="0"/>
+          </a:p>
+          <a:p>
+            <a:pPr marL="0" indent="0">
+              <a:buNone/>
+            </a:pPr>
+            <a:endParaRPr lang="en-US" sz="1800" dirty="0"/>
+          </a:p>
+          <a:p>
+            <a:endParaRPr lang="en-US" dirty="0"/>
+          </a:p>
+        </p:txBody>
+      </p:sp>
+    </p:spTree>
+    <p:extLst>
+      <p:ext uri="{BB962C8B-B14F-4D97-AF65-F5344CB8AC3E}">
+        <p14:creationId xmlns:p14="http://schemas.microsoft.com/office/powerpoint/2010/main" val="430184212"/>
+      </p:ext>
+    </p:extLst>
+  </p:cSld>
+  <p:clrMapOvr>
+    <a:masterClrMapping/>
+  </p:clrMapOvr>
+</p:sld>
+</file>
+
+<file path=ppt/slides/slide12.xml><?xml version="1.0" encoding="utf-8"?>
+<p:sld xmlns:a="http://schemas.openxmlformats.org/drawingml/2006/main" xmlns:r="http://schemas.openxmlformats.org/officeDocument/2006/relationships" xmlns:p="http://schemas.openxmlformats.org/presentationml/2006/main">
+  <p:cSld>
+    <p:spTree>
+      <p:nvGrpSpPr>
+        <p:cNvPr id="1" name=""/>
+        <p:cNvGrpSpPr/>
+        <p:nvPr/>
+      </p:nvGrpSpPr>
+      <p:grpSpPr>
+        <a:xfrm>
+          <a:off x="0" y="0"/>
+          <a:ext cx="0" cy="0"/>
+          <a:chOff x="0" y="0"/>
+          <a:chExt cx="0" cy="0"/>
+        </a:xfrm>
+      </p:grpSpPr>
+      <p:sp>
+        <p:nvSpPr>
           <p:cNvPr id="2" name="Title 1"/>
           <p:cNvSpPr>
             <a:spLocks noGrp="1"/>
@@ -5237,7 +5845,7 @@
             </a:pPr>
             <a:r>
               <a:rPr lang="en-US" sz="2000" dirty="0"/>
-              <a:t>As A Group:</a:t>
+              <a:t>As A Team:</a:t>
             </a:r>
           </a:p>
           <a:p>
@@ -5257,7 +5865,27 @@
             </a:pPr>
             <a:r>
               <a:rPr lang="en-US" sz="2000" dirty="0"/>
-              <a:t>Coding together with BMI Calc Plus, Coding Standards, and Git/GitHub</a:t>
+              <a:t>Draw a UML class diagram that represents and apple watch</a:t>
+            </a:r>
+          </a:p>
+          <a:p>
+            <a:pPr marL="457200" indent="-457200">
+              <a:buFont typeface="+mj-lt"/>
+              <a:buAutoNum type="arabicPeriod"/>
+            </a:pPr>
+            <a:r>
+              <a:rPr lang="en-US" sz="2000" dirty="0"/>
+              <a:t>Optional coding together with BMI Calc Plus, Coding Standards, and Git/GitHub</a:t>
+            </a:r>
+          </a:p>
+          <a:p>
+            <a:pPr marL="457200" indent="-457200">
+              <a:buFont typeface="+mj-lt"/>
+              <a:buAutoNum type="arabicPeriod"/>
+            </a:pPr>
+            <a:r>
+              <a:rPr lang="en-US" sz="2000" dirty="0"/>
+              <a:t>Or start working on Programming Assignment 2</a:t>
             </a:r>
           </a:p>
           <a:p>
@@ -5548,189 +6176,6 @@
 </p:sld>
 </file>
 
-<file path=ppt/slides/slide12.xml><?xml version="1.0" encoding="utf-8"?>
-<p:sld xmlns:a="http://schemas.openxmlformats.org/drawingml/2006/main" xmlns:r="http://schemas.openxmlformats.org/officeDocument/2006/relationships" xmlns:p="http://schemas.openxmlformats.org/presentationml/2006/main">
-  <p:cSld>
-    <p:spTree>
-      <p:nvGrpSpPr>
-        <p:cNvPr id="1" name=""/>
-        <p:cNvGrpSpPr/>
-        <p:nvPr/>
-      </p:nvGrpSpPr>
-      <p:grpSpPr>
-        <a:xfrm>
-          <a:off x="0" y="0"/>
-          <a:ext cx="0" cy="0"/>
-          <a:chOff x="0" y="0"/>
-          <a:chExt cx="0" cy="0"/>
-        </a:xfrm>
-      </p:grpSpPr>
-      <p:sp>
-        <p:nvSpPr>
-          <p:cNvPr id="4" name="Title 1">
-            <a:extLst>
-              <a:ext uri="{FF2B5EF4-FFF2-40B4-BE49-F238E27FC236}">
-                <a16:creationId xmlns:a16="http://schemas.microsoft.com/office/drawing/2014/main" id="{527CE47F-3EF6-48CA-9239-E8B6E5C6B41A}"/>
-              </a:ext>
-            </a:extLst>
-          </p:cNvPr>
-          <p:cNvSpPr>
-            <a:spLocks noGrp="1"/>
-          </p:cNvSpPr>
-          <p:nvPr>
-            <p:ph type="title"/>
-          </p:nvPr>
-        </p:nvSpPr>
-        <p:spPr>
-          <a:xfrm>
-            <a:off x="838200" y="365125"/>
-            <a:ext cx="10515600" cy="1325563"/>
-          </a:xfrm>
-        </p:spPr>
-        <p:txBody>
-          <a:bodyPr>
-            <a:normAutofit/>
-          </a:bodyPr>
-          <a:lstStyle/>
-          <a:p>
-            <a:r>
-              <a:rPr lang="en-US" sz="3600" dirty="0">
-                <a:latin typeface="+mn-lt"/>
-              </a:rPr>
-              <a:t>Git &amp; GitHub… Configuration Management</a:t>
-            </a:r>
-          </a:p>
-        </p:txBody>
-      </p:sp>
-      <p:sp>
-        <p:nvSpPr>
-          <p:cNvPr id="5" name="Content Placeholder 2">
-            <a:extLst>
-              <a:ext uri="{FF2B5EF4-FFF2-40B4-BE49-F238E27FC236}">
-                <a16:creationId xmlns:a16="http://schemas.microsoft.com/office/drawing/2014/main" id="{E8F0EA9A-219C-40FD-AE36-784EE1B77D56}"/>
-              </a:ext>
-            </a:extLst>
-          </p:cNvPr>
-          <p:cNvSpPr>
-            <a:spLocks noGrp="1"/>
-          </p:cNvSpPr>
-          <p:nvPr>
-            <p:ph idx="1"/>
-          </p:nvPr>
-        </p:nvSpPr>
-        <p:spPr>
-          <a:xfrm>
-            <a:off x="838198" y="1690688"/>
-            <a:ext cx="10515601" cy="4486275"/>
-          </a:xfrm>
-        </p:spPr>
-        <p:txBody>
-          <a:bodyPr>
-            <a:normAutofit/>
-          </a:bodyPr>
-          <a:lstStyle/>
-          <a:p>
-            <a:pPr marL="0" indent="0">
-              <a:spcAft>
-                <a:spcPts val="600"/>
-              </a:spcAft>
-              <a:buNone/>
-            </a:pPr>
-            <a:r>
-              <a:rPr lang="en-US" sz="2000" dirty="0"/>
-              <a:t>Source code control is Part of Configuration Management. Professional organizations often feel new software developers do not get enough experience with Configuration Management in  college. </a:t>
-            </a:r>
-          </a:p>
-          <a:p>
-            <a:pPr marL="0" indent="0">
-              <a:spcAft>
-                <a:spcPts val="600"/>
-              </a:spcAft>
-              <a:buNone/>
-            </a:pPr>
-            <a:r>
-              <a:rPr lang="en-US" sz="2000" dirty="0"/>
-              <a:t>Git &amp; GitHub can play a central role in:</a:t>
-            </a:r>
-          </a:p>
-          <a:p>
-            <a:pPr>
-              <a:spcAft>
-                <a:spcPts val="600"/>
-              </a:spcAft>
-            </a:pPr>
-            <a:r>
-              <a:rPr lang="en-US" sz="2000" dirty="0"/>
-              <a:t>Allowing a team to collectively share and manage code</a:t>
-            </a:r>
-          </a:p>
-          <a:p>
-            <a:pPr>
-              <a:spcAft>
-                <a:spcPts val="600"/>
-              </a:spcAft>
-            </a:pPr>
-            <a:r>
-              <a:rPr lang="en-US" sz="2000" dirty="0"/>
-              <a:t>Managing the master copy of your source code</a:t>
-            </a:r>
-          </a:p>
-          <a:p>
-            <a:pPr>
-              <a:spcAft>
-                <a:spcPts val="600"/>
-              </a:spcAft>
-            </a:pPr>
-            <a:r>
-              <a:rPr lang="en-US" sz="2000" dirty="0"/>
-              <a:t>Providing a “safety net” while you are programming… allowing you to be </a:t>
-            </a:r>
-            <a:r>
-              <a:rPr lang="en-US" sz="2000" u="sng" dirty="0"/>
-              <a:t>bold</a:t>
-            </a:r>
-            <a:r>
-              <a:rPr lang="en-US" sz="2000" dirty="0"/>
-              <a:t> in your programming</a:t>
-            </a:r>
-          </a:p>
-          <a:p>
-            <a:pPr>
-              <a:spcAft>
-                <a:spcPts val="600"/>
-              </a:spcAft>
-            </a:pPr>
-            <a:r>
-              <a:rPr lang="en-US" sz="2000" dirty="0"/>
-              <a:t>Submitting project code for class</a:t>
-            </a:r>
-          </a:p>
-          <a:p>
-            <a:pPr>
-              <a:spcAft>
-                <a:spcPts val="600"/>
-              </a:spcAft>
-            </a:pPr>
-            <a:r>
-              <a:rPr lang="en-US" sz="2000" dirty="0"/>
-              <a:t>Deploying code to test or production environments</a:t>
-            </a:r>
-          </a:p>
-        </p:txBody>
-      </p:sp>
-    </p:spTree>
-    <p:extLst>
-      <p:ext uri="{BB962C8B-B14F-4D97-AF65-F5344CB8AC3E}">
-        <p14:creationId xmlns:p14="http://schemas.microsoft.com/office/powerpoint/2010/main" val="367098617"/>
-      </p:ext>
-    </p:extLst>
-  </p:cSld>
-  <p:clrMapOvr>
-    <a:masterClrMapping/>
-  </p:clrMapOvr>
-</p:sld>
-</file>
-
 <file path=ppt/slides/slide13.xml><?xml version="1.0" encoding="utf-8"?>
 <p:sld xmlns:a="http://schemas.openxmlformats.org/drawingml/2006/main" xmlns:r="http://schemas.openxmlformats.org/officeDocument/2006/relationships" xmlns:p="http://schemas.openxmlformats.org/presentationml/2006/main">
   <p:cSld>
@@ -5750,6 +6195,928 @@
       </p:grpSpPr>
       <p:sp>
         <p:nvSpPr>
+          <p:cNvPr id="2" name="Title 1"/>
+          <p:cNvSpPr>
+            <a:spLocks noGrp="1"/>
+          </p:cNvSpPr>
+          <p:nvPr>
+            <p:ph type="title"/>
+          </p:nvPr>
+        </p:nvSpPr>
+        <p:spPr/>
+        <p:txBody>
+          <a:bodyPr/>
+          <a:lstStyle/>
+          <a:p>
+            <a:r>
+              <a:rPr lang="en-US" dirty="0"/>
+              <a:t>UML Class Diagram </a:t>
+            </a:r>
+            <a:r>
+              <a:rPr lang="en-US" dirty="0">
+                <a:hlinkClick r:id="rId3"/>
+              </a:rPr>
+              <a:t>[link]</a:t>
+            </a:r>
+            <a:endParaRPr lang="en-US" dirty="0"/>
+          </a:p>
+        </p:txBody>
+      </p:sp>
+      <p:pic>
+        <p:nvPicPr>
+          <p:cNvPr id="4" name="Picture 3">
+            <a:extLst>
+              <a:ext uri="{FF2B5EF4-FFF2-40B4-BE49-F238E27FC236}">
+                <a16:creationId xmlns:a16="http://schemas.microsoft.com/office/drawing/2014/main" id="{D24172C6-4E88-40E4-9F2B-2257B0C8B5A5}"/>
+              </a:ext>
+            </a:extLst>
+          </p:cNvPr>
+          <p:cNvPicPr>
+            <a:picLocks noChangeAspect="1"/>
+          </p:cNvPicPr>
+          <p:nvPr/>
+        </p:nvPicPr>
+        <p:blipFill>
+          <a:blip r:embed="rId4"/>
+          <a:stretch>
+            <a:fillRect/>
+          </a:stretch>
+        </p:blipFill>
+        <p:spPr>
+          <a:xfrm>
+            <a:off x="10649194" y="166363"/>
+            <a:ext cx="1409212" cy="1342896"/>
+          </a:xfrm>
+          <a:prstGeom prst="rect">
+            <a:avLst/>
+          </a:prstGeom>
+        </p:spPr>
+      </p:pic>
+      <p:pic>
+        <p:nvPicPr>
+          <p:cNvPr id="10" name="Picture 9">
+            <a:extLst>
+              <a:ext uri="{FF2B5EF4-FFF2-40B4-BE49-F238E27FC236}">
+                <a16:creationId xmlns:a16="http://schemas.microsoft.com/office/drawing/2014/main" id="{3AA695BD-601F-42F6-93C8-B300FAA5D970}"/>
+              </a:ext>
+            </a:extLst>
+          </p:cNvPr>
+          <p:cNvPicPr>
+            <a:picLocks noChangeAspect="1"/>
+          </p:cNvPicPr>
+          <p:nvPr/>
+        </p:nvPicPr>
+        <p:blipFill>
+          <a:blip r:embed="rId5"/>
+          <a:stretch>
+            <a:fillRect/>
+          </a:stretch>
+        </p:blipFill>
+        <p:spPr>
+          <a:xfrm>
+            <a:off x="838200" y="1607599"/>
+            <a:ext cx="9681184" cy="3642802"/>
+          </a:xfrm>
+          <a:prstGeom prst="rect">
+            <a:avLst/>
+          </a:prstGeom>
+        </p:spPr>
+      </p:pic>
+    </p:spTree>
+    <p:extLst>
+      <p:ext uri="{BB962C8B-B14F-4D97-AF65-F5344CB8AC3E}">
+        <p14:creationId xmlns:p14="http://schemas.microsoft.com/office/powerpoint/2010/main" val="2527814818"/>
+      </p:ext>
+    </p:extLst>
+  </p:cSld>
+  <p:clrMapOvr>
+    <a:masterClrMapping/>
+  </p:clrMapOvr>
+</p:sld>
+</file>
+
+<file path=ppt/slides/slide14.xml><?xml version="1.0" encoding="utf-8"?>
+<p:sld xmlns:a="http://schemas.openxmlformats.org/drawingml/2006/main" xmlns:r="http://schemas.openxmlformats.org/officeDocument/2006/relationships" xmlns:p="http://schemas.openxmlformats.org/presentationml/2006/main">
+  <p:cSld>
+    <p:spTree>
+      <p:nvGrpSpPr>
+        <p:cNvPr id="1" name=""/>
+        <p:cNvGrpSpPr/>
+        <p:nvPr/>
+      </p:nvGrpSpPr>
+      <p:grpSpPr>
+        <a:xfrm>
+          <a:off x="0" y="0"/>
+          <a:ext cx="0" cy="0"/>
+          <a:chOff x="0" y="0"/>
+          <a:chExt cx="0" cy="0"/>
+        </a:xfrm>
+      </p:grpSpPr>
+      <p:sp>
+        <p:nvSpPr>
+          <p:cNvPr id="2" name="Title 1"/>
+          <p:cNvSpPr>
+            <a:spLocks noGrp="1"/>
+          </p:cNvSpPr>
+          <p:nvPr>
+            <p:ph type="title"/>
+          </p:nvPr>
+        </p:nvSpPr>
+        <p:spPr/>
+        <p:txBody>
+          <a:bodyPr/>
+          <a:lstStyle/>
+          <a:p>
+            <a:r>
+              <a:rPr lang="en-US" dirty="0"/>
+              <a:t>UML Class Diagram (continued) </a:t>
+            </a:r>
+            <a:r>
+              <a:rPr lang="en-US" dirty="0">
+                <a:hlinkClick r:id="rId3"/>
+              </a:rPr>
+              <a:t>[link]</a:t>
+            </a:r>
+            <a:endParaRPr lang="en-US" dirty="0"/>
+          </a:p>
+        </p:txBody>
+      </p:sp>
+      <p:pic>
+        <p:nvPicPr>
+          <p:cNvPr id="4" name="Picture 3">
+            <a:extLst>
+              <a:ext uri="{FF2B5EF4-FFF2-40B4-BE49-F238E27FC236}">
+                <a16:creationId xmlns:a16="http://schemas.microsoft.com/office/drawing/2014/main" id="{D24172C6-4E88-40E4-9F2B-2257B0C8B5A5}"/>
+              </a:ext>
+            </a:extLst>
+          </p:cNvPr>
+          <p:cNvPicPr>
+            <a:picLocks noChangeAspect="1"/>
+          </p:cNvPicPr>
+          <p:nvPr/>
+        </p:nvPicPr>
+        <p:blipFill>
+          <a:blip r:embed="rId4"/>
+          <a:stretch>
+            <a:fillRect/>
+          </a:stretch>
+        </p:blipFill>
+        <p:spPr>
+          <a:xfrm>
+            <a:off x="10649194" y="166363"/>
+            <a:ext cx="1409212" cy="1342896"/>
+          </a:xfrm>
+          <a:prstGeom prst="rect">
+            <a:avLst/>
+          </a:prstGeom>
+        </p:spPr>
+      </p:pic>
+      <p:pic>
+        <p:nvPicPr>
+          <p:cNvPr id="11" name="Picture 10">
+            <a:extLst>
+              <a:ext uri="{FF2B5EF4-FFF2-40B4-BE49-F238E27FC236}">
+                <a16:creationId xmlns:a16="http://schemas.microsoft.com/office/drawing/2014/main" id="{0C57A4F9-0DFF-4DA0-886E-941E65EA354C}"/>
+              </a:ext>
+            </a:extLst>
+          </p:cNvPr>
+          <p:cNvPicPr>
+            <a:picLocks noChangeAspect="1"/>
+          </p:cNvPicPr>
+          <p:nvPr/>
+        </p:nvPicPr>
+        <p:blipFill>
+          <a:blip r:embed="rId5"/>
+          <a:stretch>
+            <a:fillRect/>
+          </a:stretch>
+        </p:blipFill>
+        <p:spPr>
+          <a:xfrm>
+            <a:off x="3632416" y="1690688"/>
+            <a:ext cx="5770291" cy="3846861"/>
+          </a:xfrm>
+          <a:prstGeom prst="rect">
+            <a:avLst/>
+          </a:prstGeom>
+        </p:spPr>
+      </p:pic>
+      <p:pic>
+        <p:nvPicPr>
+          <p:cNvPr id="3" name="Picture 2">
+            <a:extLst>
+              <a:ext uri="{FF2B5EF4-FFF2-40B4-BE49-F238E27FC236}">
+                <a16:creationId xmlns:a16="http://schemas.microsoft.com/office/drawing/2014/main" id="{03BBC74C-529E-483F-B86C-3AF584FA8126}"/>
+              </a:ext>
+            </a:extLst>
+          </p:cNvPr>
+          <p:cNvPicPr>
+            <a:picLocks noChangeAspect="1"/>
+          </p:cNvPicPr>
+          <p:nvPr/>
+        </p:nvPicPr>
+        <p:blipFill>
+          <a:blip r:embed="rId6"/>
+          <a:stretch>
+            <a:fillRect/>
+          </a:stretch>
+        </p:blipFill>
+        <p:spPr>
+          <a:xfrm rot="10800000">
+            <a:off x="9402707" y="2505215"/>
+            <a:ext cx="530398" cy="402371"/>
+          </a:xfrm>
+          <a:prstGeom prst="rect">
+            <a:avLst/>
+          </a:prstGeom>
+        </p:spPr>
+      </p:pic>
+      <p:pic>
+        <p:nvPicPr>
+          <p:cNvPr id="7" name="Picture 6">
+            <a:extLst>
+              <a:ext uri="{FF2B5EF4-FFF2-40B4-BE49-F238E27FC236}">
+                <a16:creationId xmlns:a16="http://schemas.microsoft.com/office/drawing/2014/main" id="{0D675587-F3E8-44A2-A98E-C11DC68E2A33}"/>
+              </a:ext>
+            </a:extLst>
+          </p:cNvPr>
+          <p:cNvPicPr>
+            <a:picLocks noChangeAspect="1"/>
+          </p:cNvPicPr>
+          <p:nvPr/>
+        </p:nvPicPr>
+        <p:blipFill>
+          <a:blip r:embed="rId6"/>
+          <a:stretch>
+            <a:fillRect/>
+          </a:stretch>
+        </p:blipFill>
+        <p:spPr>
+          <a:xfrm rot="10800000">
+            <a:off x="9402707" y="4233149"/>
+            <a:ext cx="530398" cy="402371"/>
+          </a:xfrm>
+          <a:prstGeom prst="rect">
+            <a:avLst/>
+          </a:prstGeom>
+        </p:spPr>
+      </p:pic>
+      <p:pic>
+        <p:nvPicPr>
+          <p:cNvPr id="5" name="Picture 4">
+            <a:extLst>
+              <a:ext uri="{FF2B5EF4-FFF2-40B4-BE49-F238E27FC236}">
+                <a16:creationId xmlns:a16="http://schemas.microsoft.com/office/drawing/2014/main" id="{1DCF1544-E125-4D95-BFC4-38BFD13B9880}"/>
+              </a:ext>
+            </a:extLst>
+          </p:cNvPr>
+          <p:cNvPicPr>
+            <a:picLocks noChangeAspect="1"/>
+          </p:cNvPicPr>
+          <p:nvPr/>
+        </p:nvPicPr>
+        <p:blipFill>
+          <a:blip r:embed="rId7"/>
+          <a:stretch>
+            <a:fillRect/>
+          </a:stretch>
+        </p:blipFill>
+        <p:spPr>
+          <a:xfrm>
+            <a:off x="9402707" y="4824668"/>
+            <a:ext cx="530398" cy="402371"/>
+          </a:xfrm>
+          <a:prstGeom prst="rect">
+            <a:avLst/>
+          </a:prstGeom>
+        </p:spPr>
+      </p:pic>
+    </p:spTree>
+    <p:extLst>
+      <p:ext uri="{BB962C8B-B14F-4D97-AF65-F5344CB8AC3E}">
+        <p14:creationId xmlns:p14="http://schemas.microsoft.com/office/powerpoint/2010/main" val="1675721478"/>
+      </p:ext>
+    </p:extLst>
+  </p:cSld>
+  <p:clrMapOvr>
+    <a:masterClrMapping/>
+  </p:clrMapOvr>
+  <p:timing>
+    <p:tnLst>
+      <p:par>
+        <p:cTn id="1" dur="indefinite" restart="never" nodeType="tmRoot">
+          <p:childTnLst>
+            <p:seq concurrent="1" nextAc="seek">
+              <p:cTn id="2" dur="indefinite" nodeType="mainSeq">
+                <p:childTnLst>
+                  <p:par>
+                    <p:cTn id="3" fill="hold">
+                      <p:stCondLst>
+                        <p:cond delay="indefinite"/>
+                      </p:stCondLst>
+                      <p:childTnLst>
+                        <p:par>
+                          <p:cTn id="4" fill="hold">
+                            <p:stCondLst>
+                              <p:cond delay="0"/>
+                            </p:stCondLst>
+                            <p:childTnLst>
+                              <p:par>
+                                <p:cTn id="5" presetID="2" presetClass="entr" presetSubtype="4" fill="hold" nodeType="clickEffect">
+                                  <p:stCondLst>
+                                    <p:cond delay="0"/>
+                                  </p:stCondLst>
+                                  <p:childTnLst>
+                                    <p:set>
+                                      <p:cBhvr>
+                                        <p:cTn id="6" dur="1" fill="hold">
+                                          <p:stCondLst>
+                                            <p:cond delay="0"/>
+                                          </p:stCondLst>
+                                        </p:cTn>
+                                        <p:tgtEl>
+                                          <p:spTgt spid="3"/>
+                                        </p:tgtEl>
+                                        <p:attrNameLst>
+                                          <p:attrName>style.visibility</p:attrName>
+                                        </p:attrNameLst>
+                                      </p:cBhvr>
+                                      <p:to>
+                                        <p:strVal val="visible"/>
+                                      </p:to>
+                                    </p:set>
+                                    <p:anim calcmode="lin" valueType="num">
+                                      <p:cBhvr additive="base">
+                                        <p:cTn id="7" dur="500" fill="hold"/>
+                                        <p:tgtEl>
+                                          <p:spTgt spid="3"/>
+                                        </p:tgtEl>
+                                        <p:attrNameLst>
+                                          <p:attrName>ppt_x</p:attrName>
+                                        </p:attrNameLst>
+                                      </p:cBhvr>
+                                      <p:tavLst>
+                                        <p:tav tm="0">
+                                          <p:val>
+                                            <p:strVal val="#ppt_x"/>
+                                          </p:val>
+                                        </p:tav>
+                                        <p:tav tm="100000">
+                                          <p:val>
+                                            <p:strVal val="#ppt_x"/>
+                                          </p:val>
+                                        </p:tav>
+                                      </p:tavLst>
+                                    </p:anim>
+                                    <p:anim calcmode="lin" valueType="num">
+                                      <p:cBhvr additive="base">
+                                        <p:cTn id="8" dur="500" fill="hold"/>
+                                        <p:tgtEl>
+                                          <p:spTgt spid="3"/>
+                                        </p:tgtEl>
+                                        <p:attrNameLst>
+                                          <p:attrName>ppt_y</p:attrName>
+                                        </p:attrNameLst>
+                                      </p:cBhvr>
+                                      <p:tavLst>
+                                        <p:tav tm="0">
+                                          <p:val>
+                                            <p:strVal val="1+#ppt_h/2"/>
+                                          </p:val>
+                                        </p:tav>
+                                        <p:tav tm="100000">
+                                          <p:val>
+                                            <p:strVal val="#ppt_y"/>
+                                          </p:val>
+                                        </p:tav>
+                                      </p:tavLst>
+                                    </p:anim>
+                                  </p:childTnLst>
+                                </p:cTn>
+                              </p:par>
+                            </p:childTnLst>
+                          </p:cTn>
+                        </p:par>
+                      </p:childTnLst>
+                    </p:cTn>
+                  </p:par>
+                  <p:par>
+                    <p:cTn id="9" fill="hold">
+                      <p:stCondLst>
+                        <p:cond delay="indefinite"/>
+                      </p:stCondLst>
+                      <p:childTnLst>
+                        <p:par>
+                          <p:cTn id="10" fill="hold">
+                            <p:stCondLst>
+                              <p:cond delay="0"/>
+                            </p:stCondLst>
+                            <p:childTnLst>
+                              <p:par>
+                                <p:cTn id="11" presetID="2" presetClass="entr" presetSubtype="4" fill="hold" nodeType="clickEffect">
+                                  <p:stCondLst>
+                                    <p:cond delay="0"/>
+                                  </p:stCondLst>
+                                  <p:childTnLst>
+                                    <p:set>
+                                      <p:cBhvr>
+                                        <p:cTn id="12" dur="1" fill="hold">
+                                          <p:stCondLst>
+                                            <p:cond delay="0"/>
+                                          </p:stCondLst>
+                                        </p:cTn>
+                                        <p:tgtEl>
+                                          <p:spTgt spid="7"/>
+                                        </p:tgtEl>
+                                        <p:attrNameLst>
+                                          <p:attrName>style.visibility</p:attrName>
+                                        </p:attrNameLst>
+                                      </p:cBhvr>
+                                      <p:to>
+                                        <p:strVal val="visible"/>
+                                      </p:to>
+                                    </p:set>
+                                    <p:anim calcmode="lin" valueType="num">
+                                      <p:cBhvr additive="base">
+                                        <p:cTn id="13" dur="500" fill="hold"/>
+                                        <p:tgtEl>
+                                          <p:spTgt spid="7"/>
+                                        </p:tgtEl>
+                                        <p:attrNameLst>
+                                          <p:attrName>ppt_x</p:attrName>
+                                        </p:attrNameLst>
+                                      </p:cBhvr>
+                                      <p:tavLst>
+                                        <p:tav tm="0">
+                                          <p:val>
+                                            <p:strVal val="#ppt_x"/>
+                                          </p:val>
+                                        </p:tav>
+                                        <p:tav tm="100000">
+                                          <p:val>
+                                            <p:strVal val="#ppt_x"/>
+                                          </p:val>
+                                        </p:tav>
+                                      </p:tavLst>
+                                    </p:anim>
+                                    <p:anim calcmode="lin" valueType="num">
+                                      <p:cBhvr additive="base">
+                                        <p:cTn id="14" dur="500" fill="hold"/>
+                                        <p:tgtEl>
+                                          <p:spTgt spid="7"/>
+                                        </p:tgtEl>
+                                        <p:attrNameLst>
+                                          <p:attrName>ppt_y</p:attrName>
+                                        </p:attrNameLst>
+                                      </p:cBhvr>
+                                      <p:tavLst>
+                                        <p:tav tm="0">
+                                          <p:val>
+                                            <p:strVal val="1+#ppt_h/2"/>
+                                          </p:val>
+                                        </p:tav>
+                                        <p:tav tm="100000">
+                                          <p:val>
+                                            <p:strVal val="#ppt_y"/>
+                                          </p:val>
+                                        </p:tav>
+                                      </p:tavLst>
+                                    </p:anim>
+                                  </p:childTnLst>
+                                </p:cTn>
+                              </p:par>
+                            </p:childTnLst>
+                          </p:cTn>
+                        </p:par>
+                      </p:childTnLst>
+                    </p:cTn>
+                  </p:par>
+                  <p:par>
+                    <p:cTn id="15" fill="hold">
+                      <p:stCondLst>
+                        <p:cond delay="indefinite"/>
+                      </p:stCondLst>
+                      <p:childTnLst>
+                        <p:par>
+                          <p:cTn id="16" fill="hold">
+                            <p:stCondLst>
+                              <p:cond delay="0"/>
+                            </p:stCondLst>
+                            <p:childTnLst>
+                              <p:par>
+                                <p:cTn id="17" presetID="2" presetClass="entr" presetSubtype="4" fill="hold" nodeType="clickEffect">
+                                  <p:stCondLst>
+                                    <p:cond delay="0"/>
+                                  </p:stCondLst>
+                                  <p:childTnLst>
+                                    <p:set>
+                                      <p:cBhvr>
+                                        <p:cTn id="18" dur="1" fill="hold">
+                                          <p:stCondLst>
+                                            <p:cond delay="0"/>
+                                          </p:stCondLst>
+                                        </p:cTn>
+                                        <p:tgtEl>
+                                          <p:spTgt spid="5"/>
+                                        </p:tgtEl>
+                                        <p:attrNameLst>
+                                          <p:attrName>style.visibility</p:attrName>
+                                        </p:attrNameLst>
+                                      </p:cBhvr>
+                                      <p:to>
+                                        <p:strVal val="visible"/>
+                                      </p:to>
+                                    </p:set>
+                                    <p:anim calcmode="lin" valueType="num">
+                                      <p:cBhvr additive="base">
+                                        <p:cTn id="19" dur="500" fill="hold"/>
+                                        <p:tgtEl>
+                                          <p:spTgt spid="5"/>
+                                        </p:tgtEl>
+                                        <p:attrNameLst>
+                                          <p:attrName>ppt_x</p:attrName>
+                                        </p:attrNameLst>
+                                      </p:cBhvr>
+                                      <p:tavLst>
+                                        <p:tav tm="0">
+                                          <p:val>
+                                            <p:strVal val="#ppt_x"/>
+                                          </p:val>
+                                        </p:tav>
+                                        <p:tav tm="100000">
+                                          <p:val>
+                                            <p:strVal val="#ppt_x"/>
+                                          </p:val>
+                                        </p:tav>
+                                      </p:tavLst>
+                                    </p:anim>
+                                    <p:anim calcmode="lin" valueType="num">
+                                      <p:cBhvr additive="base">
+                                        <p:cTn id="20" dur="500" fill="hold"/>
+                                        <p:tgtEl>
+                                          <p:spTgt spid="5"/>
+                                        </p:tgtEl>
+                                        <p:attrNameLst>
+                                          <p:attrName>ppt_y</p:attrName>
+                                        </p:attrNameLst>
+                                      </p:cBhvr>
+                                      <p:tavLst>
+                                        <p:tav tm="0">
+                                          <p:val>
+                                            <p:strVal val="1+#ppt_h/2"/>
+                                          </p:val>
+                                        </p:tav>
+                                        <p:tav tm="100000">
+                                          <p:val>
+                                            <p:strVal val="#ppt_y"/>
+                                          </p:val>
+                                        </p:tav>
+                                      </p:tavLst>
+                                    </p:anim>
+                                  </p:childTnLst>
+                                </p:cTn>
+                              </p:par>
+                            </p:childTnLst>
+                          </p:cTn>
+                        </p:par>
+                      </p:childTnLst>
+                    </p:cTn>
+                  </p:par>
+                </p:childTnLst>
+              </p:cTn>
+              <p:prevCondLst>
+                <p:cond evt="onPrev" delay="0">
+                  <p:tgtEl>
+                    <p:sldTgt/>
+                  </p:tgtEl>
+                </p:cond>
+              </p:prevCondLst>
+              <p:nextCondLst>
+                <p:cond evt="onNext" delay="0">
+                  <p:tgtEl>
+                    <p:sldTgt/>
+                  </p:tgtEl>
+                </p:cond>
+              </p:nextCondLst>
+            </p:seq>
+          </p:childTnLst>
+        </p:cTn>
+      </p:par>
+    </p:tnLst>
+  </p:timing>
+</p:sld>
+</file>
+
+<file path=ppt/slides/slide15.xml><?xml version="1.0" encoding="utf-8"?>
+<p:sld xmlns:a="http://schemas.openxmlformats.org/drawingml/2006/main" xmlns:r="http://schemas.openxmlformats.org/officeDocument/2006/relationships" xmlns:p="http://schemas.openxmlformats.org/presentationml/2006/main">
+  <p:cSld>
+    <p:spTree>
+      <p:nvGrpSpPr>
+        <p:cNvPr id="1" name=""/>
+        <p:cNvGrpSpPr/>
+        <p:nvPr/>
+      </p:nvGrpSpPr>
+      <p:grpSpPr>
+        <a:xfrm>
+          <a:off x="0" y="0"/>
+          <a:ext cx="0" cy="0"/>
+          <a:chOff x="0" y="0"/>
+          <a:chExt cx="0" cy="0"/>
+        </a:xfrm>
+      </p:grpSpPr>
+      <p:sp>
+        <p:nvSpPr>
+          <p:cNvPr id="2" name="Title 1">
+            <a:extLst>
+              <a:ext uri="{FF2B5EF4-FFF2-40B4-BE49-F238E27FC236}">
+                <a16:creationId xmlns:a16="http://schemas.microsoft.com/office/drawing/2014/main" id="{E52A0004-AEC1-4D2F-8A7E-370FDC8B4F59}"/>
+              </a:ext>
+            </a:extLst>
+          </p:cNvPr>
+          <p:cNvSpPr>
+            <a:spLocks noGrp="1"/>
+          </p:cNvSpPr>
+          <p:nvPr>
+            <p:ph type="title"/>
+          </p:nvPr>
+        </p:nvSpPr>
+        <p:spPr>
+          <a:xfrm>
+            <a:off x="5277329" y="640080"/>
+            <a:ext cx="6274590" cy="4018341"/>
+          </a:xfrm>
+          <a:noFill/>
+        </p:spPr>
+        <p:txBody>
+          <a:bodyPr vert="horz" lIns="91440" tIns="45720" rIns="91440" bIns="45720" rtlCol="0" anchor="b">
+            <a:normAutofit/>
+          </a:bodyPr>
+          <a:lstStyle/>
+          <a:p>
+            <a:r>
+              <a:rPr lang="en-US" sz="6000" dirty="0"/>
+              <a:t>UML – </a:t>
+            </a:r>
+            <a:br>
+              <a:rPr lang="en-US" sz="6000" dirty="0"/>
+            </a:br>
+            <a:r>
+              <a:rPr lang="en-US" sz="6000" dirty="0"/>
+              <a:t>BMI Calculator Plus</a:t>
+            </a:r>
+          </a:p>
+        </p:txBody>
+      </p:sp>
+      <p:pic>
+        <p:nvPicPr>
+          <p:cNvPr id="5" name="Picture 4" descr="A close up of text on a whiteboard&#10;&#10;Description automatically generated">
+            <a:extLst>
+              <a:ext uri="{FF2B5EF4-FFF2-40B4-BE49-F238E27FC236}">
+                <a16:creationId xmlns:a16="http://schemas.microsoft.com/office/drawing/2014/main" id="{209B76B0-D4A0-4841-8811-CF57C2FCF540}"/>
+              </a:ext>
+            </a:extLst>
+          </p:cNvPr>
+          <p:cNvPicPr>
+            <a:picLocks noChangeAspect="1"/>
+          </p:cNvPicPr>
+          <p:nvPr/>
+        </p:nvPicPr>
+        <p:blipFill rotWithShape="1">
+          <a:blip r:embed="rId3">
+            <a:extLst>
+              <a:ext uri="{28A0092B-C50C-407E-A947-70E740481C1C}">
+                <a14:useLocalDpi xmlns:a14="http://schemas.microsoft.com/office/drawing/2010/main" val="0"/>
+              </a:ext>
+            </a:extLst>
+          </a:blip>
+          <a:srcRect r="5741"/>
+          <a:stretch/>
+        </p:blipFill>
+        <p:spPr>
+          <a:xfrm>
+            <a:off x="1" y="10"/>
+            <a:ext cx="4654296" cy="6857990"/>
+          </a:xfrm>
+          <a:prstGeom prst="rect">
+            <a:avLst/>
+          </a:prstGeom>
+        </p:spPr>
+      </p:pic>
+    </p:spTree>
+    <p:extLst>
+      <p:ext uri="{BB962C8B-B14F-4D97-AF65-F5344CB8AC3E}">
+        <p14:creationId xmlns:p14="http://schemas.microsoft.com/office/powerpoint/2010/main" val="419266791"/>
+      </p:ext>
+    </p:extLst>
+  </p:cSld>
+  <p:clrMapOvr>
+    <a:masterClrMapping/>
+  </p:clrMapOvr>
+</p:sld>
+</file>
+
+<file path=ppt/slides/slide16.xml><?xml version="1.0" encoding="utf-8"?>
+<p:sld xmlns:a="http://schemas.openxmlformats.org/drawingml/2006/main" xmlns:r="http://schemas.openxmlformats.org/officeDocument/2006/relationships" xmlns:p="http://schemas.openxmlformats.org/presentationml/2006/main">
+  <p:cSld>
+    <p:spTree>
+      <p:nvGrpSpPr>
+        <p:cNvPr id="1" name=""/>
+        <p:cNvGrpSpPr/>
+        <p:nvPr/>
+      </p:nvGrpSpPr>
+      <p:grpSpPr>
+        <a:xfrm>
+          <a:off x="0" y="0"/>
+          <a:ext cx="0" cy="0"/>
+          <a:chOff x="0" y="0"/>
+          <a:chExt cx="0" cy="0"/>
+        </a:xfrm>
+      </p:grpSpPr>
+      <p:sp>
+        <p:nvSpPr>
+          <p:cNvPr id="4" name="Title 1">
+            <a:extLst>
+              <a:ext uri="{FF2B5EF4-FFF2-40B4-BE49-F238E27FC236}">
+                <a16:creationId xmlns:a16="http://schemas.microsoft.com/office/drawing/2014/main" id="{527CE47F-3EF6-48CA-9239-E8B6E5C6B41A}"/>
+              </a:ext>
+            </a:extLst>
+          </p:cNvPr>
+          <p:cNvSpPr>
+            <a:spLocks noGrp="1"/>
+          </p:cNvSpPr>
+          <p:nvPr>
+            <p:ph type="title"/>
+          </p:nvPr>
+        </p:nvSpPr>
+        <p:spPr>
+          <a:xfrm>
+            <a:off x="838200" y="365125"/>
+            <a:ext cx="10515600" cy="1325563"/>
+          </a:xfrm>
+        </p:spPr>
+        <p:txBody>
+          <a:bodyPr>
+            <a:normAutofit/>
+          </a:bodyPr>
+          <a:lstStyle/>
+          <a:p>
+            <a:r>
+              <a:rPr lang="en-US" sz="3600" dirty="0">
+                <a:latin typeface="+mn-lt"/>
+              </a:rPr>
+              <a:t>Git &amp; GitHub… Configuration Management</a:t>
+            </a:r>
+          </a:p>
+        </p:txBody>
+      </p:sp>
+      <p:sp>
+        <p:nvSpPr>
+          <p:cNvPr id="5" name="Content Placeholder 2">
+            <a:extLst>
+              <a:ext uri="{FF2B5EF4-FFF2-40B4-BE49-F238E27FC236}">
+                <a16:creationId xmlns:a16="http://schemas.microsoft.com/office/drawing/2014/main" id="{E8F0EA9A-219C-40FD-AE36-784EE1B77D56}"/>
+              </a:ext>
+            </a:extLst>
+          </p:cNvPr>
+          <p:cNvSpPr>
+            <a:spLocks noGrp="1"/>
+          </p:cNvSpPr>
+          <p:nvPr>
+            <p:ph idx="1"/>
+          </p:nvPr>
+        </p:nvSpPr>
+        <p:spPr>
+          <a:xfrm>
+            <a:off x="838198" y="1690688"/>
+            <a:ext cx="10515601" cy="4486275"/>
+          </a:xfrm>
+        </p:spPr>
+        <p:txBody>
+          <a:bodyPr>
+            <a:normAutofit/>
+          </a:bodyPr>
+          <a:lstStyle/>
+          <a:p>
+            <a:pPr marL="0" indent="0">
+              <a:spcAft>
+                <a:spcPts val="600"/>
+              </a:spcAft>
+              <a:buNone/>
+            </a:pPr>
+            <a:r>
+              <a:rPr lang="en-US" sz="2000" dirty="0"/>
+              <a:t>Source code control is Part of Configuration Management. Professional organizations often feel new software developers do not get enough experience with Configuration Management in  college. </a:t>
+            </a:r>
+          </a:p>
+          <a:p>
+            <a:pPr marL="0" indent="0">
+              <a:spcAft>
+                <a:spcPts val="600"/>
+              </a:spcAft>
+              <a:buNone/>
+            </a:pPr>
+            <a:r>
+              <a:rPr lang="en-US" sz="2000" dirty="0"/>
+              <a:t>Git &amp; GitHub can play a central role in:</a:t>
+            </a:r>
+          </a:p>
+          <a:p>
+            <a:pPr>
+              <a:spcAft>
+                <a:spcPts val="600"/>
+              </a:spcAft>
+            </a:pPr>
+            <a:r>
+              <a:rPr lang="en-US" sz="2000" dirty="0"/>
+              <a:t>Allowing a team to collectively share and manage code</a:t>
+            </a:r>
+          </a:p>
+          <a:p>
+            <a:pPr>
+              <a:spcAft>
+                <a:spcPts val="600"/>
+              </a:spcAft>
+            </a:pPr>
+            <a:r>
+              <a:rPr lang="en-US" sz="2000" dirty="0"/>
+              <a:t>Managing the master copy of your source code</a:t>
+            </a:r>
+          </a:p>
+          <a:p>
+            <a:pPr>
+              <a:spcAft>
+                <a:spcPts val="600"/>
+              </a:spcAft>
+            </a:pPr>
+            <a:r>
+              <a:rPr lang="en-US" sz="2000" dirty="0"/>
+              <a:t>Providing a “safety net” while you are programming… allowing you to be </a:t>
+            </a:r>
+            <a:r>
+              <a:rPr lang="en-US" sz="2000" u="sng" dirty="0"/>
+              <a:t>bold</a:t>
+            </a:r>
+            <a:r>
+              <a:rPr lang="en-US" sz="2000" dirty="0"/>
+              <a:t> in your programming</a:t>
+            </a:r>
+          </a:p>
+          <a:p>
+            <a:pPr>
+              <a:spcAft>
+                <a:spcPts val="600"/>
+              </a:spcAft>
+            </a:pPr>
+            <a:r>
+              <a:rPr lang="en-US" sz="2000" dirty="0"/>
+              <a:t>Submitting project code for class</a:t>
+            </a:r>
+          </a:p>
+          <a:p>
+            <a:pPr>
+              <a:spcAft>
+                <a:spcPts val="600"/>
+              </a:spcAft>
+            </a:pPr>
+            <a:r>
+              <a:rPr lang="en-US" sz="2000" dirty="0"/>
+              <a:t>Deploying code to test or production environments</a:t>
+            </a:r>
+          </a:p>
+        </p:txBody>
+      </p:sp>
+    </p:spTree>
+    <p:extLst>
+      <p:ext uri="{BB962C8B-B14F-4D97-AF65-F5344CB8AC3E}">
+        <p14:creationId xmlns:p14="http://schemas.microsoft.com/office/powerpoint/2010/main" val="367098617"/>
+      </p:ext>
+    </p:extLst>
+  </p:cSld>
+  <p:clrMapOvr>
+    <a:masterClrMapping/>
+  </p:clrMapOvr>
+</p:sld>
+</file>
+
+<file path=ppt/slides/slide17.xml><?xml version="1.0" encoding="utf-8"?>
+<p:sld xmlns:a="http://schemas.openxmlformats.org/drawingml/2006/main" xmlns:r="http://schemas.openxmlformats.org/officeDocument/2006/relationships" xmlns:p="http://schemas.openxmlformats.org/presentationml/2006/main">
+  <p:cSld>
+    <p:spTree>
+      <p:nvGrpSpPr>
+        <p:cNvPr id="1" name=""/>
+        <p:cNvGrpSpPr/>
+        <p:nvPr/>
+      </p:nvGrpSpPr>
+      <p:grpSpPr>
+        <a:xfrm>
+          <a:off x="0" y="0"/>
+          <a:ext cx="0" cy="0"/>
+          <a:chOff x="0" y="0"/>
+          <a:chExt cx="0" cy="0"/>
+        </a:xfrm>
+      </p:grpSpPr>
+      <p:sp>
+        <p:nvSpPr>
           <p:cNvPr id="4" name="Title 1">
             <a:extLst>
               <a:ext uri="{FF2B5EF4-FFF2-40B4-BE49-F238E27FC236}">
@@ -5982,7 +7349,7 @@
 </p:sld>
 </file>
 
-<file path=ppt/slides/slide14.xml><?xml version="1.0" encoding="utf-8"?>
+<file path=ppt/slides/slide18.xml><?xml version="1.0" encoding="utf-8"?>
 <p:sld xmlns:a="http://schemas.openxmlformats.org/drawingml/2006/main" xmlns:r="http://schemas.openxmlformats.org/officeDocument/2006/relationships" xmlns:p="http://schemas.openxmlformats.org/presentationml/2006/main">
   <p:cSld>
     <p:spTree>
@@ -6414,7 +7781,7 @@
 </p:sld>
 </file>
 
-<file path=ppt/slides/slide15.xml><?xml version="1.0" encoding="utf-8"?>
+<file path=ppt/slides/slide19.xml><?xml version="1.0" encoding="utf-8"?>
 <p:sld xmlns:a="http://schemas.openxmlformats.org/drawingml/2006/main" xmlns:r="http://schemas.openxmlformats.org/officeDocument/2006/relationships" xmlns:p="http://schemas.openxmlformats.org/presentationml/2006/main">
   <p:cSld>
     <p:bg>
@@ -6502,112 +7869,36 @@
       </p:grpSpPr>
       <p:sp>
         <p:nvSpPr>
-          <p:cNvPr id="4" name="Title 1">
-            <a:extLst>
-              <a:ext uri="{FF2B5EF4-FFF2-40B4-BE49-F238E27FC236}">
-                <a16:creationId xmlns:a16="http://schemas.microsoft.com/office/drawing/2014/main" id="{527CE47F-3EF6-48CA-9239-E8B6E5C6B41A}"/>
-              </a:ext>
-            </a:extLst>
-          </p:cNvPr>
-          <p:cNvSpPr>
-            <a:spLocks noGrp="1"/>
-          </p:cNvSpPr>
-          <p:nvPr>
-            <p:ph type="title"/>
+          <p:cNvPr id="2" name="Title 1"/>
+          <p:cNvSpPr>
+            <a:spLocks noGrp="1"/>
+          </p:cNvSpPr>
+          <p:nvPr>
+            <p:ph type="ctrTitle"/>
           </p:nvPr>
         </p:nvSpPr>
         <p:spPr>
           <a:xfrm>
-            <a:off x="838200" y="365125"/>
-            <a:ext cx="10515600" cy="1325563"/>
+            <a:off x="1524000" y="3051480"/>
+            <a:ext cx="9144000" cy="755040"/>
           </a:xfrm>
         </p:spPr>
         <p:txBody>
-          <a:bodyPr>
-            <a:normAutofit/>
+          <a:bodyPr anchor="ctr">
+            <a:normAutofit fontScale="90000"/>
           </a:bodyPr>
           <a:lstStyle/>
           <a:p>
             <a:r>
-              <a:rPr lang="en-US" sz="3600" dirty="0"/>
-              <a:t>Start, Stop, Continue Retrospective Feedback Model</a:t>
-            </a:r>
-          </a:p>
-        </p:txBody>
-      </p:sp>
-      <p:sp>
-        <p:nvSpPr>
-          <p:cNvPr id="5" name="Content Placeholder 2">
-            <a:extLst>
-              <a:ext uri="{FF2B5EF4-FFF2-40B4-BE49-F238E27FC236}">
-                <a16:creationId xmlns:a16="http://schemas.microsoft.com/office/drawing/2014/main" id="{E8F0EA9A-219C-40FD-AE36-784EE1B77D56}"/>
-              </a:ext>
-            </a:extLst>
-          </p:cNvPr>
-          <p:cNvSpPr>
-            <a:spLocks noGrp="1"/>
-          </p:cNvSpPr>
-          <p:nvPr>
-            <p:ph idx="1"/>
-          </p:nvPr>
-        </p:nvSpPr>
-        <p:spPr>
-          <a:xfrm>
-            <a:off x="838198" y="1690688"/>
-            <a:ext cx="10515601" cy="4486275"/>
-          </a:xfrm>
-        </p:spPr>
-        <p:txBody>
-          <a:bodyPr>
-            <a:normAutofit/>
-          </a:bodyPr>
-          <a:lstStyle/>
-          <a:p>
-            <a:pPr marL="0" indent="0">
-              <a:spcAft>
-                <a:spcPts val="600"/>
-              </a:spcAft>
-              <a:buNone/>
-            </a:pPr>
-            <a:r>
-              <a:rPr lang="en-US" sz="2000" b="1" u="sng" dirty="0"/>
-              <a:t>Continue</a:t>
-            </a:r>
-            <a:r>
-              <a:rPr lang="en-US" sz="2000" dirty="0"/>
-              <a:t>: What is working? Something that we should make sure that we continue to do. </a:t>
-            </a:r>
-          </a:p>
-          <a:p>
-            <a:pPr marL="0" indent="0">
-              <a:spcAft>
-                <a:spcPts val="600"/>
-              </a:spcAft>
-              <a:buNone/>
-            </a:pPr>
-            <a:r>
-              <a:rPr lang="en-US" sz="2000" b="1" u="sng" dirty="0"/>
-              <a:t>Start</a:t>
-            </a:r>
-            <a:r>
-              <a:rPr lang="en-US" sz="2000" dirty="0"/>
-              <a:t>: What is something that would be nice to do that we are not doing now? Maybe something that you have seen work well in other classes or with other teams. </a:t>
-            </a:r>
-          </a:p>
-          <a:p>
-            <a:pPr marL="0" indent="0">
-              <a:spcAft>
-                <a:spcPts val="600"/>
-              </a:spcAft>
-              <a:buNone/>
-            </a:pPr>
-            <a:r>
-              <a:rPr lang="en-US" sz="2000" b="1" u="sng" dirty="0"/>
-              <a:t>Stop</a:t>
-            </a:r>
-            <a:r>
-              <a:rPr lang="en-US" sz="2000" dirty="0"/>
-              <a:t>: What is not working? Something that we should stop doing. </a:t>
+              <a:rPr lang="en-US" sz="4800" dirty="0"/>
+              <a:t>Friendly Conversation Topic</a:t>
+            </a:r>
+            <a:br>
+              <a:rPr lang="en-US" sz="4800" dirty="0"/>
+            </a:br>
+            <a:r>
+              <a:rPr lang="en-US" sz="4800" dirty="0"/>
+              <a:t>Feedback Models</a:t>
             </a:r>
           </a:p>
         </p:txBody>
@@ -6615,7 +7906,7 @@
     </p:spTree>
     <p:extLst>
       <p:ext uri="{BB962C8B-B14F-4D97-AF65-F5344CB8AC3E}">
-        <p14:creationId xmlns:p14="http://schemas.microsoft.com/office/powerpoint/2010/main" val="4277706239"/>
+        <p14:creationId xmlns:p14="http://schemas.microsoft.com/office/powerpoint/2010/main" val="3449558129"/>
       </p:ext>
     </p:extLst>
   </p:cSld>
@@ -6644,6 +7935,148 @@
       </p:grpSpPr>
       <p:sp>
         <p:nvSpPr>
+          <p:cNvPr id="4" name="Title 1">
+            <a:extLst>
+              <a:ext uri="{FF2B5EF4-FFF2-40B4-BE49-F238E27FC236}">
+                <a16:creationId xmlns:a16="http://schemas.microsoft.com/office/drawing/2014/main" id="{527CE47F-3EF6-48CA-9239-E8B6E5C6B41A}"/>
+              </a:ext>
+            </a:extLst>
+          </p:cNvPr>
+          <p:cNvSpPr>
+            <a:spLocks noGrp="1"/>
+          </p:cNvSpPr>
+          <p:nvPr>
+            <p:ph type="title"/>
+          </p:nvPr>
+        </p:nvSpPr>
+        <p:spPr>
+          <a:xfrm>
+            <a:off x="838200" y="365125"/>
+            <a:ext cx="10515600" cy="1325563"/>
+          </a:xfrm>
+        </p:spPr>
+        <p:txBody>
+          <a:bodyPr>
+            <a:normAutofit/>
+          </a:bodyPr>
+          <a:lstStyle/>
+          <a:p>
+            <a:r>
+              <a:rPr lang="en-US" sz="3600" dirty="0"/>
+              <a:t>Start, Stop, Continue Retrospective Feedback Model</a:t>
+            </a:r>
+          </a:p>
+        </p:txBody>
+      </p:sp>
+      <p:sp>
+        <p:nvSpPr>
+          <p:cNvPr id="5" name="Content Placeholder 2">
+            <a:extLst>
+              <a:ext uri="{FF2B5EF4-FFF2-40B4-BE49-F238E27FC236}">
+                <a16:creationId xmlns:a16="http://schemas.microsoft.com/office/drawing/2014/main" id="{E8F0EA9A-219C-40FD-AE36-784EE1B77D56}"/>
+              </a:ext>
+            </a:extLst>
+          </p:cNvPr>
+          <p:cNvSpPr>
+            <a:spLocks noGrp="1"/>
+          </p:cNvSpPr>
+          <p:nvPr>
+            <p:ph idx="1"/>
+          </p:nvPr>
+        </p:nvSpPr>
+        <p:spPr>
+          <a:xfrm>
+            <a:off x="838198" y="1690688"/>
+            <a:ext cx="10515601" cy="4486275"/>
+          </a:xfrm>
+        </p:spPr>
+        <p:txBody>
+          <a:bodyPr>
+            <a:normAutofit/>
+          </a:bodyPr>
+          <a:lstStyle/>
+          <a:p>
+            <a:pPr marL="0" indent="0">
+              <a:spcAft>
+                <a:spcPts val="600"/>
+              </a:spcAft>
+              <a:buNone/>
+            </a:pPr>
+            <a:r>
+              <a:rPr lang="en-US" sz="2000" b="1" u="sng" dirty="0"/>
+              <a:t>Continue</a:t>
+            </a:r>
+            <a:r>
+              <a:rPr lang="en-US" sz="2000" dirty="0"/>
+              <a:t>: What is working? Something that we should make sure that we continue to do. </a:t>
+            </a:r>
+          </a:p>
+          <a:p>
+            <a:pPr marL="0" indent="0">
+              <a:spcAft>
+                <a:spcPts val="600"/>
+              </a:spcAft>
+              <a:buNone/>
+            </a:pPr>
+            <a:r>
+              <a:rPr lang="en-US" sz="2000" b="1" u="sng" dirty="0"/>
+              <a:t>Start</a:t>
+            </a:r>
+            <a:r>
+              <a:rPr lang="en-US" sz="2000" dirty="0"/>
+              <a:t>: What is something that would be nice to do that we are not doing now? Maybe something that you have seen work well in other classes or with other teams. </a:t>
+            </a:r>
+          </a:p>
+          <a:p>
+            <a:pPr marL="0" indent="0">
+              <a:spcAft>
+                <a:spcPts val="600"/>
+              </a:spcAft>
+              <a:buNone/>
+            </a:pPr>
+            <a:r>
+              <a:rPr lang="en-US" sz="2000" b="1" u="sng" dirty="0"/>
+              <a:t>Stop</a:t>
+            </a:r>
+            <a:r>
+              <a:rPr lang="en-US" sz="2000" dirty="0"/>
+              <a:t>: What is not working? Something that we should stop doing. </a:t>
+            </a:r>
+          </a:p>
+        </p:txBody>
+      </p:sp>
+    </p:spTree>
+    <p:extLst>
+      <p:ext uri="{BB962C8B-B14F-4D97-AF65-F5344CB8AC3E}">
+        <p14:creationId xmlns:p14="http://schemas.microsoft.com/office/powerpoint/2010/main" val="4277706239"/>
+      </p:ext>
+    </p:extLst>
+  </p:cSld>
+  <p:clrMapOvr>
+    <a:masterClrMapping/>
+  </p:clrMapOvr>
+</p:sld>
+</file>
+
+<file path=ppt/slides/slide4.xml><?xml version="1.0" encoding="utf-8"?>
+<p:sld xmlns:a="http://schemas.openxmlformats.org/drawingml/2006/main" xmlns:r="http://schemas.openxmlformats.org/officeDocument/2006/relationships" xmlns:p="http://schemas.openxmlformats.org/presentationml/2006/main">
+  <p:cSld>
+    <p:spTree>
+      <p:nvGrpSpPr>
+        <p:cNvPr id="1" name=""/>
+        <p:cNvGrpSpPr/>
+        <p:nvPr/>
+      </p:nvGrpSpPr>
+      <p:grpSpPr>
+        <a:xfrm>
+          <a:off x="0" y="0"/>
+          <a:ext cx="0" cy="0"/>
+          <a:chOff x="0" y="0"/>
+          <a:chExt cx="0" cy="0"/>
+        </a:xfrm>
+      </p:grpSpPr>
+      <p:sp>
+        <p:nvSpPr>
           <p:cNvPr id="2" name="Title 1">
             <a:extLst>
               <a:ext uri="{FF2B5EF4-FFF2-40B4-BE49-F238E27FC236}">
@@ -6721,7 +8154,7 @@
 </p:sld>
 </file>
 
-<file path=ppt/slides/slide4.xml><?xml version="1.0" encoding="utf-8"?>
+<file path=ppt/slides/slide5.xml><?xml version="1.0" encoding="utf-8"?>
 <p:sld xmlns:a="http://schemas.openxmlformats.org/drawingml/2006/main" xmlns:r="http://schemas.openxmlformats.org/officeDocument/2006/relationships" xmlns:p="http://schemas.openxmlformats.org/presentationml/2006/main">
   <p:cSld>
     <p:spTree>
@@ -7091,72 +8524,6 @@
 </p:sld>
 </file>
 
-<file path=ppt/slides/slide5.xml><?xml version="1.0" encoding="utf-8"?>
-<p:sld xmlns:a="http://schemas.openxmlformats.org/drawingml/2006/main" xmlns:r="http://schemas.openxmlformats.org/officeDocument/2006/relationships" xmlns:p="http://schemas.openxmlformats.org/presentationml/2006/main">
-  <p:cSld>
-    <p:spTree>
-      <p:nvGrpSpPr>
-        <p:cNvPr id="1" name=""/>
-        <p:cNvGrpSpPr/>
-        <p:nvPr/>
-      </p:nvGrpSpPr>
-      <p:grpSpPr>
-        <a:xfrm>
-          <a:off x="0" y="0"/>
-          <a:ext cx="0" cy="0"/>
-          <a:chOff x="0" y="0"/>
-          <a:chExt cx="0" cy="0"/>
-        </a:xfrm>
-      </p:grpSpPr>
-      <p:sp>
-        <p:nvSpPr>
-          <p:cNvPr id="2" name="Title 1"/>
-          <p:cNvSpPr>
-            <a:spLocks noGrp="1"/>
-          </p:cNvSpPr>
-          <p:nvPr>
-            <p:ph type="ctrTitle"/>
-          </p:nvPr>
-        </p:nvSpPr>
-        <p:spPr>
-          <a:xfrm>
-            <a:off x="1524000" y="3051480"/>
-            <a:ext cx="9144000" cy="755040"/>
-          </a:xfrm>
-        </p:spPr>
-        <p:txBody>
-          <a:bodyPr anchor="ctr">
-            <a:normAutofit fontScale="90000"/>
-          </a:bodyPr>
-          <a:lstStyle/>
-          <a:p>
-            <a:r>
-              <a:rPr lang="en-US" sz="4800" dirty="0"/>
-              <a:t>Continue: Turning in </a:t>
-            </a:r>
-            <a:br>
-              <a:rPr lang="en-US" sz="4800" dirty="0"/>
-            </a:br>
-            <a:r>
-              <a:rPr lang="en-US" sz="4800" dirty="0"/>
-              <a:t>Assignments on Time</a:t>
-            </a:r>
-          </a:p>
-        </p:txBody>
-      </p:sp>
-    </p:spTree>
-    <p:extLst>
-      <p:ext uri="{BB962C8B-B14F-4D97-AF65-F5344CB8AC3E}">
-        <p14:creationId xmlns:p14="http://schemas.microsoft.com/office/powerpoint/2010/main" val="3012952118"/>
-      </p:ext>
-    </p:extLst>
-  </p:cSld>
-  <p:clrMapOvr>
-    <a:masterClrMapping/>
-  </p:clrMapOvr>
-</p:sld>
-</file>
-
 <file path=ppt/slides/slide6.xml><?xml version="1.0" encoding="utf-8"?>
 <p:sld xmlns:a="http://schemas.openxmlformats.org/drawingml/2006/main" xmlns:r="http://schemas.openxmlformats.org/officeDocument/2006/relationships" xmlns:p="http://schemas.openxmlformats.org/presentationml/2006/main">
   <p:cSld>
@@ -7192,13 +8559,20 @@
         </p:spPr>
         <p:txBody>
           <a:bodyPr anchor="ctr">
-            <a:normAutofit/>
+            <a:normAutofit fontScale="90000"/>
           </a:bodyPr>
           <a:lstStyle/>
           <a:p>
             <a:r>
               <a:rPr lang="en-US" sz="4800" dirty="0"/>
-              <a:t>Feedback?</a:t>
+              <a:t>Continue: Submitting </a:t>
+            </a:r>
+            <a:br>
+              <a:rPr lang="en-US" sz="4800" dirty="0"/>
+            </a:br>
+            <a:r>
+              <a:rPr lang="en-US" sz="4800" dirty="0"/>
+              <a:t>Assignments On Time</a:t>
             </a:r>
           </a:p>
         </p:txBody>
@@ -7206,7 +8580,7 @@
     </p:spTree>
     <p:extLst>
       <p:ext uri="{BB962C8B-B14F-4D97-AF65-F5344CB8AC3E}">
-        <p14:creationId xmlns:p14="http://schemas.microsoft.com/office/powerpoint/2010/main" val="1515401260"/>
+        <p14:creationId xmlns:p14="http://schemas.microsoft.com/office/powerpoint/2010/main" val="3012952118"/>
       </p:ext>
     </p:extLst>
   </p:cSld>
@@ -7235,6 +8609,65 @@
       </p:grpSpPr>
       <p:sp>
         <p:nvSpPr>
+          <p:cNvPr id="2" name="Title 1"/>
+          <p:cNvSpPr>
+            <a:spLocks noGrp="1"/>
+          </p:cNvSpPr>
+          <p:nvPr>
+            <p:ph type="ctrTitle"/>
+          </p:nvPr>
+        </p:nvSpPr>
+        <p:spPr>
+          <a:xfrm>
+            <a:off x="1524000" y="3051480"/>
+            <a:ext cx="9144000" cy="755040"/>
+          </a:xfrm>
+        </p:spPr>
+        <p:txBody>
+          <a:bodyPr anchor="ctr">
+            <a:normAutofit/>
+          </a:bodyPr>
+          <a:lstStyle/>
+          <a:p>
+            <a:r>
+              <a:rPr lang="en-US" sz="4800" dirty="0"/>
+              <a:t>Feedback?</a:t>
+            </a:r>
+          </a:p>
+        </p:txBody>
+      </p:sp>
+    </p:spTree>
+    <p:extLst>
+      <p:ext uri="{BB962C8B-B14F-4D97-AF65-F5344CB8AC3E}">
+        <p14:creationId xmlns:p14="http://schemas.microsoft.com/office/powerpoint/2010/main" val="1515401260"/>
+      </p:ext>
+    </p:extLst>
+  </p:cSld>
+  <p:clrMapOvr>
+    <a:masterClrMapping/>
+  </p:clrMapOvr>
+</p:sld>
+</file>
+
+<file path=ppt/slides/slide8.xml><?xml version="1.0" encoding="utf-8"?>
+<p:sld xmlns:a="http://schemas.openxmlformats.org/drawingml/2006/main" xmlns:r="http://schemas.openxmlformats.org/officeDocument/2006/relationships" xmlns:p="http://schemas.openxmlformats.org/presentationml/2006/main">
+  <p:cSld>
+    <p:spTree>
+      <p:nvGrpSpPr>
+        <p:cNvPr id="1" name=""/>
+        <p:cNvGrpSpPr/>
+        <p:nvPr/>
+      </p:nvGrpSpPr>
+      <p:grpSpPr>
+        <a:xfrm>
+          <a:off x="0" y="0"/>
+          <a:ext cx="0" cy="0"/>
+          <a:chOff x="0" y="0"/>
+          <a:chExt cx="0" cy="0"/>
+        </a:xfrm>
+      </p:grpSpPr>
+      <p:sp>
+        <p:nvSpPr>
           <p:cNvPr id="2" name="Title 1">
             <a:extLst>
               <a:ext uri="{FF2B5EF4-FFF2-40B4-BE49-F238E27FC236}">
@@ -7291,7 +8724,7 @@
           <a:graphicData uri="http://schemas.openxmlformats.org/presentationml/2006/ole">
             <mc:AlternateContent xmlns:mc="http://schemas.openxmlformats.org/markup-compatibility/2006">
               <mc:Choice xmlns:v="urn:schemas-microsoft-com:vml" Requires="v">
-                <p:oleObj spid="_x0000_s1049" name="Worksheet" r:id="rId4" imgW="4775200" imgH="3390900" progId="Excel.Sheet.8">
+                <p:oleObj spid="_x0000_s1051" name="Worksheet" r:id="rId4" imgW="4775200" imgH="3390900" progId="Excel.Sheet.8">
                   <p:embed/>
                 </p:oleObj>
               </mc:Choice>
@@ -7373,7 +8806,7 @@
 </p:sld>
 </file>
 
-<file path=ppt/slides/slide8.xml><?xml version="1.0" encoding="utf-8"?>
+<file path=ppt/slides/slide9.xml><?xml version="1.0" encoding="utf-8"?>
 <p:sld xmlns:a="http://schemas.openxmlformats.org/drawingml/2006/main" xmlns:r="http://schemas.openxmlformats.org/officeDocument/2006/relationships" xmlns:p="http://schemas.openxmlformats.org/presentationml/2006/main">
   <p:cSld>
     <p:spTree>
@@ -7547,376 +8980,6 @@
   <p:clrMapOvr>
     <a:masterClrMapping/>
   </p:clrMapOvr>
-</p:sld>
-</file>
-
-<file path=ppt/slides/slide9.xml><?xml version="1.0" encoding="utf-8"?>
-<p:sld xmlns:a="http://schemas.openxmlformats.org/drawingml/2006/main" xmlns:r="http://schemas.openxmlformats.org/officeDocument/2006/relationships" xmlns:p="http://schemas.openxmlformats.org/presentationml/2006/main">
-  <p:cSld>
-    <p:spTree>
-      <p:nvGrpSpPr>
-        <p:cNvPr id="1" name=""/>
-        <p:cNvGrpSpPr/>
-        <p:nvPr/>
-      </p:nvGrpSpPr>
-      <p:grpSpPr>
-        <a:xfrm>
-          <a:off x="0" y="0"/>
-          <a:ext cx="0" cy="0"/>
-          <a:chOff x="0" y="0"/>
-          <a:chExt cx="0" cy="0"/>
-        </a:xfrm>
-      </p:grpSpPr>
-      <p:sp>
-        <p:nvSpPr>
-          <p:cNvPr id="2" name="Title 1">
-            <a:extLst>
-              <a:ext uri="{FF2B5EF4-FFF2-40B4-BE49-F238E27FC236}">
-                <a16:creationId xmlns:a16="http://schemas.microsoft.com/office/drawing/2014/main" id="{443FD3EE-6698-4602-B4C0-718F014616A4}"/>
-              </a:ext>
-            </a:extLst>
-          </p:cNvPr>
-          <p:cNvSpPr>
-            <a:spLocks noGrp="1"/>
-          </p:cNvSpPr>
-          <p:nvPr>
-            <p:ph type="title"/>
-          </p:nvPr>
-        </p:nvSpPr>
-        <p:spPr/>
-        <p:txBody>
-          <a:bodyPr/>
-          <a:lstStyle/>
-          <a:p>
-            <a:r>
-              <a:rPr lang="en-US" dirty="0"/>
-              <a:t>Scrum Process &amp; Roles – Sprint Planning</a:t>
-            </a:r>
-          </a:p>
-        </p:txBody>
-      </p:sp>
-      <p:pic>
-        <p:nvPicPr>
-          <p:cNvPr id="1026" name="Picture 2" descr="https://upload.wikimedia.org/wikipedia/commons/d/df/Scrum_Framework.png">
-            <a:extLst>
-              <a:ext uri="{FF2B5EF4-FFF2-40B4-BE49-F238E27FC236}">
-                <a16:creationId xmlns:a16="http://schemas.microsoft.com/office/drawing/2014/main" id="{94D187A3-9AAC-4908-B843-2E262C28DBFE}"/>
-              </a:ext>
-            </a:extLst>
-          </p:cNvPr>
-          <p:cNvPicPr>
-            <a:picLocks noChangeAspect="1" noChangeArrowheads="1"/>
-          </p:cNvPicPr>
-          <p:nvPr/>
-        </p:nvPicPr>
-        <p:blipFill>
-          <a:blip r:embed="rId2">
-            <a:extLst>
-              <a:ext uri="{28A0092B-C50C-407E-A947-70E740481C1C}">
-                <a14:useLocalDpi xmlns:a14="http://schemas.microsoft.com/office/drawing/2010/main" val="0"/>
-              </a:ext>
-            </a:extLst>
-          </a:blip>
-          <a:srcRect/>
-          <a:stretch>
-            <a:fillRect/>
-          </a:stretch>
-        </p:blipFill>
-        <p:spPr bwMode="auto">
-          <a:xfrm>
-            <a:off x="2221847" y="1341064"/>
-            <a:ext cx="8138182" cy="4531099"/>
-          </a:xfrm>
-          <a:prstGeom prst="rect">
-            <a:avLst/>
-          </a:prstGeom>
-          <a:noFill/>
-          <a:extLst>
-            <a:ext uri="{909E8E84-426E-40DD-AFC4-6F175D3DCCD1}">
-              <a14:hiddenFill xmlns:a14="http://schemas.microsoft.com/office/drawing/2010/main">
-                <a:solidFill>
-                  <a:srgbClr val="FFFFFF"/>
-                </a:solidFill>
-              </a14:hiddenFill>
-            </a:ext>
-          </a:extLst>
-        </p:spPr>
-      </p:pic>
-      <p:sp>
-        <p:nvSpPr>
-          <p:cNvPr id="6" name="Rectangle 5">
-            <a:extLst>
-              <a:ext uri="{FF2B5EF4-FFF2-40B4-BE49-F238E27FC236}">
-                <a16:creationId xmlns:a16="http://schemas.microsoft.com/office/drawing/2014/main" id="{C5034F42-102F-445B-BE40-5AF1FC99349D}"/>
-              </a:ext>
-            </a:extLst>
-          </p:cNvPr>
-          <p:cNvSpPr/>
-          <p:nvPr/>
-        </p:nvSpPr>
-        <p:spPr>
-          <a:xfrm>
-            <a:off x="3916346" y="6123543"/>
-            <a:ext cx="4749185" cy="369332"/>
-          </a:xfrm>
-          <a:prstGeom prst="rect">
-            <a:avLst/>
-          </a:prstGeom>
-        </p:spPr>
-        <p:txBody>
-          <a:bodyPr wrap="none">
-            <a:spAutoFit/>
-          </a:bodyPr>
-          <a:lstStyle/>
-          <a:p>
-            <a:r>
-              <a:rPr lang="en-US" dirty="0"/>
-              <a:t>By </a:t>
-            </a:r>
-            <a:r>
-              <a:rPr lang="en-US" dirty="0" err="1">
-                <a:hlinkClick r:id="rId3" tooltip="User:Dr ian mitchell (page does not exist)"/>
-              </a:rPr>
-              <a:t>Dr</a:t>
-            </a:r>
-            <a:r>
-              <a:rPr lang="en-US" dirty="0">
-                <a:hlinkClick r:id="rId3" tooltip="User:Dr ian mitchell (page does not exist)"/>
-              </a:rPr>
-              <a:t> </a:t>
-            </a:r>
-            <a:r>
-              <a:rPr lang="en-US" dirty="0" err="1">
-                <a:hlinkClick r:id="rId3" tooltip="User:Dr ian mitchell (page does not exist)"/>
-              </a:rPr>
-              <a:t>ian</a:t>
-            </a:r>
-            <a:r>
-              <a:rPr lang="en-US" dirty="0">
-                <a:hlinkClick r:id="rId3" tooltip="User:Dr ian mitchell (page does not exist)"/>
-              </a:rPr>
-              <a:t> </a:t>
-            </a:r>
-            <a:r>
-              <a:rPr lang="en-US" dirty="0" err="1">
-                <a:hlinkClick r:id="rId3" tooltip="User:Dr ian mitchell (page does not exist)"/>
-              </a:rPr>
-              <a:t>mitchell</a:t>
-            </a:r>
-            <a:r>
-              <a:rPr lang="en-US" dirty="0"/>
-              <a:t> - Own work, </a:t>
-            </a:r>
-            <a:r>
-              <a:rPr lang="en-US" dirty="0">
-                <a:hlinkClick r:id="rId4" tooltip="Creative Commons Attribution-Share Alike 4.0"/>
-              </a:rPr>
-              <a:t>CC BY-SA 4.0</a:t>
-            </a:r>
-            <a:r>
-              <a:rPr lang="en-US" dirty="0"/>
-              <a:t>, </a:t>
-            </a:r>
-            <a:r>
-              <a:rPr lang="en-US" dirty="0">
-                <a:hlinkClick r:id="rId5"/>
-              </a:rPr>
-              <a:t>Link</a:t>
-            </a:r>
-            <a:endParaRPr lang="en-US" dirty="0"/>
-          </a:p>
-        </p:txBody>
-      </p:sp>
-      <p:sp>
-        <p:nvSpPr>
-          <p:cNvPr id="13" name="Oval 12">
-            <a:extLst>
-              <a:ext uri="{FF2B5EF4-FFF2-40B4-BE49-F238E27FC236}">
-                <a16:creationId xmlns:a16="http://schemas.microsoft.com/office/drawing/2014/main" id="{CB822028-AE62-4F61-8F14-297C0D4C1218}"/>
-              </a:ext>
-            </a:extLst>
-          </p:cNvPr>
-          <p:cNvSpPr/>
-          <p:nvPr/>
-        </p:nvSpPr>
-        <p:spPr>
-          <a:xfrm>
-            <a:off x="3492082" y="4266588"/>
-            <a:ext cx="1303578" cy="554229"/>
-          </a:xfrm>
-          <a:prstGeom prst="ellipse">
-            <a:avLst/>
-          </a:prstGeom>
-          <a:solidFill>
-            <a:schemeClr val="tx1">
-              <a:alpha val="0"/>
-            </a:schemeClr>
-          </a:solidFill>
-          <a:ln w="38100">
-            <a:solidFill>
-              <a:srgbClr val="C00000"/>
-            </a:solidFill>
-          </a:ln>
-        </p:spPr>
-        <p:style>
-          <a:lnRef idx="2">
-            <a:schemeClr val="accent1">
-              <a:shade val="50000"/>
-            </a:schemeClr>
-          </a:lnRef>
-          <a:fillRef idx="1">
-            <a:schemeClr val="accent1"/>
-          </a:fillRef>
-          <a:effectRef idx="0">
-            <a:schemeClr val="accent1"/>
-          </a:effectRef>
-          <a:fontRef idx="minor">
-            <a:schemeClr val="lt1"/>
-          </a:fontRef>
-        </p:style>
-        <p:txBody>
-          <a:bodyPr rtlCol="0" anchor="ctr"/>
-          <a:lstStyle/>
-          <a:p>
-            <a:pPr algn="ctr"/>
-            <a:endParaRPr lang="en-US"/>
-          </a:p>
-        </p:txBody>
-      </p:sp>
-    </p:spTree>
-    <p:extLst>
-      <p:ext uri="{BB962C8B-B14F-4D97-AF65-F5344CB8AC3E}">
-        <p14:creationId xmlns:p14="http://schemas.microsoft.com/office/powerpoint/2010/main" val="613436556"/>
-      </p:ext>
-    </p:extLst>
-  </p:cSld>
-  <p:clrMapOvr>
-    <a:masterClrMapping/>
-  </p:clrMapOvr>
-  <p:timing>
-    <p:tnLst>
-      <p:par>
-        <p:cTn id="1" dur="indefinite" restart="never" nodeType="tmRoot">
-          <p:childTnLst>
-            <p:seq concurrent="1" nextAc="seek">
-              <p:cTn id="2" dur="indefinite" nodeType="mainSeq">
-                <p:childTnLst>
-                  <p:par>
-                    <p:cTn id="3" fill="hold">
-                      <p:stCondLst>
-                        <p:cond delay="indefinite"/>
-                      </p:stCondLst>
-                      <p:childTnLst>
-                        <p:par>
-                          <p:cTn id="4" fill="hold">
-                            <p:stCondLst>
-                              <p:cond delay="0"/>
-                            </p:stCondLst>
-                            <p:childTnLst>
-                              <p:par>
-                                <p:cTn id="5" presetID="2" presetClass="entr" presetSubtype="4" fill="hold" grpId="0" nodeType="clickEffect">
-                                  <p:stCondLst>
-                                    <p:cond delay="0"/>
-                                  </p:stCondLst>
-                                  <p:childTnLst>
-                                    <p:set>
-                                      <p:cBhvr>
-                                        <p:cTn id="6" dur="1" fill="hold">
-                                          <p:stCondLst>
-                                            <p:cond delay="0"/>
-                                          </p:stCondLst>
-                                        </p:cTn>
-                                        <p:tgtEl>
-                                          <p:spTgt spid="13"/>
-                                        </p:tgtEl>
-                                        <p:attrNameLst>
-                                          <p:attrName>style.visibility</p:attrName>
-                                        </p:attrNameLst>
-                                      </p:cBhvr>
-                                      <p:to>
-                                        <p:strVal val="visible"/>
-                                      </p:to>
-                                    </p:set>
-                                    <p:anim calcmode="lin" valueType="num">
-                                      <p:cBhvr additive="base">
-                                        <p:cTn id="7" dur="500" fill="hold"/>
-                                        <p:tgtEl>
-                                          <p:spTgt spid="13"/>
-                                        </p:tgtEl>
-                                        <p:attrNameLst>
-                                          <p:attrName>ppt_x</p:attrName>
-                                        </p:attrNameLst>
-                                      </p:cBhvr>
-                                      <p:tavLst>
-                                        <p:tav tm="0">
-                                          <p:val>
-                                            <p:strVal val="#ppt_x"/>
-                                          </p:val>
-                                        </p:tav>
-                                        <p:tav tm="100000">
-                                          <p:val>
-                                            <p:strVal val="#ppt_x"/>
-                                          </p:val>
-                                        </p:tav>
-                                      </p:tavLst>
-                                    </p:anim>
-                                    <p:anim calcmode="lin" valueType="num">
-                                      <p:cBhvr additive="base">
-                                        <p:cTn id="8" dur="500" fill="hold"/>
-                                        <p:tgtEl>
-                                          <p:spTgt spid="13"/>
-                                        </p:tgtEl>
-                                        <p:attrNameLst>
-                                          <p:attrName>ppt_y</p:attrName>
-                                        </p:attrNameLst>
-                                      </p:cBhvr>
-                                      <p:tavLst>
-                                        <p:tav tm="0">
-                                          <p:val>
-                                            <p:strVal val="1+#ppt_h/2"/>
-                                          </p:val>
-                                        </p:tav>
-                                        <p:tav tm="100000">
-                                          <p:val>
-                                            <p:strVal val="#ppt_y"/>
-                                          </p:val>
-                                        </p:tav>
-                                      </p:tavLst>
-                                    </p:anim>
-                                  </p:childTnLst>
-                                </p:cTn>
-                              </p:par>
-                            </p:childTnLst>
-                          </p:cTn>
-                        </p:par>
-                      </p:childTnLst>
-                    </p:cTn>
-                  </p:par>
-                </p:childTnLst>
-              </p:cTn>
-              <p:prevCondLst>
-                <p:cond evt="onPrev" delay="0">
-                  <p:tgtEl>
-                    <p:sldTgt/>
-                  </p:tgtEl>
-                </p:cond>
-              </p:prevCondLst>
-              <p:nextCondLst>
-                <p:cond evt="onNext" delay="0">
-                  <p:tgtEl>
-                    <p:sldTgt/>
-                  </p:tgtEl>
-                </p:cond>
-              </p:nextCondLst>
-            </p:seq>
-          </p:childTnLst>
-        </p:cTn>
-      </p:par>
-    </p:tnLst>
-    <p:bldLst>
-      <p:bldP spid="13" grpId="0" animBg="1"/>
-    </p:bldLst>
-  </p:timing>
 </p:sld>
 </file>
 
